--- a/report/report 李淳雨20170220.pptx
+++ b/report/report 李淳雨20170220.pptx
@@ -226,7 +226,7 @@
           <a:p>
             <a:fld id="{A7047017-3F4D-4800-9B33-5B2A9DB7873C}" type="datetimeFigureOut">
               <a:rPr kumimoji="1" lang="ja-JP" altLang="en-US" smtClean="0"/>
-              <a:t>2017/2/20</a:t>
+              <a:t>2017/2/26</a:t>
             </a:fld>
             <a:endParaRPr kumimoji="1" lang="ja-JP" altLang="en-US"/>
           </a:p>
@@ -391,7 +391,7 @@
           <a:p>
             <a:fld id="{4EE61553-47AE-49F4-A30A-FEA3F4C5BB3B}" type="datetimeFigureOut">
               <a:rPr kumimoji="1" lang="ja-JP" altLang="en-US" smtClean="0"/>
-              <a:t>2017/2/20</a:t>
+              <a:t>2017/2/26</a:t>
             </a:fld>
             <a:endParaRPr kumimoji="1" lang="ja-JP" altLang="en-US"/>
           </a:p>
@@ -910,7 +910,7 @@
           <a:p>
             <a:fld id="{A8E4C931-648D-4F19-A7E9-4215BE8EB453}" type="datetime1">
               <a:rPr kumimoji="1" lang="ja-JP" altLang="en-US" smtClean="0"/>
-              <a:t>2017/2/20</a:t>
+              <a:t>2017/2/26</a:t>
             </a:fld>
             <a:endParaRPr kumimoji="1" lang="ja-JP" altLang="en-US"/>
           </a:p>
@@ -1112,7 +1112,7 @@
           <a:p>
             <a:fld id="{66996EC0-4E43-4FF5-933C-8728087BB85F}" type="datetime1">
               <a:rPr kumimoji="1" lang="ja-JP" altLang="en-US" smtClean="0"/>
-              <a:t>2017/2/20</a:t>
+              <a:t>2017/2/26</a:t>
             </a:fld>
             <a:endParaRPr kumimoji="1" lang="ja-JP" altLang="en-US"/>
           </a:p>
@@ -1324,7 +1324,7 @@
           <a:p>
             <a:fld id="{C2F28B55-76C5-4689-9D3B-072D0666FEF8}" type="datetime1">
               <a:rPr kumimoji="1" lang="ja-JP" altLang="en-US" smtClean="0"/>
-              <a:t>2017/2/20</a:t>
+              <a:t>2017/2/26</a:t>
             </a:fld>
             <a:endParaRPr kumimoji="1" lang="ja-JP" altLang="en-US"/>
           </a:p>
@@ -1526,7 +1526,7 @@
           <a:p>
             <a:fld id="{590AF857-1170-4F41-B12E-ABF113777648}" type="datetime1">
               <a:rPr kumimoji="1" lang="ja-JP" altLang="en-US" smtClean="0"/>
-              <a:t>2017/2/20</a:t>
+              <a:t>2017/2/26</a:t>
             </a:fld>
             <a:endParaRPr kumimoji="1" lang="ja-JP" altLang="en-US"/>
           </a:p>
@@ -1770,7 +1770,7 @@
           <a:p>
             <a:fld id="{00B44318-77C3-4220-BCFC-4622BF0AADB9}" type="datetime1">
               <a:rPr kumimoji="1" lang="ja-JP" altLang="en-US" smtClean="0"/>
-              <a:t>2017/2/20</a:t>
+              <a:t>2017/2/26</a:t>
             </a:fld>
             <a:endParaRPr kumimoji="1" lang="ja-JP" altLang="en-US"/>
           </a:p>
@@ -2066,7 +2066,7 @@
           <a:p>
             <a:fld id="{6E811334-7932-403E-9818-0031037B27BC}" type="datetime1">
               <a:rPr kumimoji="1" lang="ja-JP" altLang="en-US" smtClean="0"/>
-              <a:t>2017/2/20</a:t>
+              <a:t>2017/2/26</a:t>
             </a:fld>
             <a:endParaRPr kumimoji="1" lang="ja-JP" altLang="en-US"/>
           </a:p>
@@ -2497,7 +2497,7 @@
           <a:p>
             <a:fld id="{8F846AA7-D6AC-483B-B59F-B92B33580718}" type="datetime1">
               <a:rPr kumimoji="1" lang="ja-JP" altLang="en-US" smtClean="0"/>
-              <a:t>2017/2/20</a:t>
+              <a:t>2017/2/26</a:t>
             </a:fld>
             <a:endParaRPr kumimoji="1" lang="ja-JP" altLang="en-US"/>
           </a:p>
@@ -2615,7 +2615,7 @@
           <a:p>
             <a:fld id="{4C92AB63-8332-4105-A8E8-92D9FFE45080}" type="datetime1">
               <a:rPr kumimoji="1" lang="ja-JP" altLang="en-US" smtClean="0"/>
-              <a:t>2017/2/20</a:t>
+              <a:t>2017/2/26</a:t>
             </a:fld>
             <a:endParaRPr kumimoji="1" lang="ja-JP" altLang="en-US"/>
           </a:p>
@@ -2710,7 +2710,7 @@
           <a:p>
             <a:fld id="{C497F610-1513-4196-8905-051CB72780E2}" type="datetime1">
               <a:rPr kumimoji="1" lang="ja-JP" altLang="en-US" smtClean="0"/>
-              <a:t>2017/2/20</a:t>
+              <a:t>2017/2/26</a:t>
             </a:fld>
             <a:endParaRPr kumimoji="1" lang="ja-JP" altLang="en-US"/>
           </a:p>
@@ -3019,7 +3019,7 @@
           <a:p>
             <a:fld id="{784F99A3-628B-475C-AC88-0DCEBFCBE43E}" type="datetime1">
               <a:rPr kumimoji="1" lang="ja-JP" altLang="en-US" smtClean="0"/>
-              <a:t>2017/2/20</a:t>
+              <a:t>2017/2/26</a:t>
             </a:fld>
             <a:endParaRPr kumimoji="1" lang="ja-JP" altLang="en-US"/>
           </a:p>
@@ -3276,7 +3276,7 @@
           <a:p>
             <a:fld id="{993E26B5-C4B8-4F0A-BA8D-9718B829FC64}" type="datetime1">
               <a:rPr kumimoji="1" lang="ja-JP" altLang="en-US" smtClean="0"/>
-              <a:t>2017/2/20</a:t>
+              <a:t>2017/2/26</a:t>
             </a:fld>
             <a:endParaRPr kumimoji="1" lang="ja-JP" altLang="en-US"/>
           </a:p>
@@ -3521,7 +3521,7 @@
           <a:p>
             <a:fld id="{3AC474DA-14F1-4050-95A4-F0689030D4A9}" type="datetime1">
               <a:rPr kumimoji="1" lang="ja-JP" altLang="en-US" smtClean="0"/>
-              <a:t>2017/2/20</a:t>
+              <a:t>2017/2/26</a:t>
             </a:fld>
             <a:endParaRPr kumimoji="1" lang="ja-JP" altLang="en-US"/>
           </a:p>
@@ -5424,42 +5424,42 @@
                 <a:gridCol w="702261">
                   <a:extLst>
                     <a:ext uri="{9D8B030D-6E8A-4147-A177-3AD203B41FA5}">
-                      <a16:colId xmlns:a16="http://schemas.microsoft.com/office/drawing/2014/main" val="110332252"/>
+                      <a16:colId xmlns:a16="http://schemas.microsoft.com/office/drawing/2014/main" xmlns="" val="110332252"/>
                     </a:ext>
                   </a:extLst>
                 </a:gridCol>
                 <a:gridCol w="1623973">
                   <a:extLst>
                     <a:ext uri="{9D8B030D-6E8A-4147-A177-3AD203B41FA5}">
-                      <a16:colId xmlns:a16="http://schemas.microsoft.com/office/drawing/2014/main" val="1476679492"/>
+                      <a16:colId xmlns:a16="http://schemas.microsoft.com/office/drawing/2014/main" xmlns="" val="1476679492"/>
                     </a:ext>
                   </a:extLst>
                 </a:gridCol>
                 <a:gridCol w="1408147">
                   <a:extLst>
                     <a:ext uri="{9D8B030D-6E8A-4147-A177-3AD203B41FA5}">
-                      <a16:colId xmlns:a16="http://schemas.microsoft.com/office/drawing/2014/main" val="636332937"/>
+                      <a16:colId xmlns:a16="http://schemas.microsoft.com/office/drawing/2014/main" xmlns="" val="636332937"/>
                     </a:ext>
                   </a:extLst>
                 </a:gridCol>
                 <a:gridCol w="1513984">
                   <a:extLst>
                     <a:ext uri="{9D8B030D-6E8A-4147-A177-3AD203B41FA5}">
-                      <a16:colId xmlns:a16="http://schemas.microsoft.com/office/drawing/2014/main" val="2242567350"/>
+                      <a16:colId xmlns:a16="http://schemas.microsoft.com/office/drawing/2014/main" xmlns="" val="2242567350"/>
                     </a:ext>
                   </a:extLst>
                 </a:gridCol>
                 <a:gridCol w="1119256">
                   <a:extLst>
                     <a:ext uri="{9D8B030D-6E8A-4147-A177-3AD203B41FA5}">
-                      <a16:colId xmlns:a16="http://schemas.microsoft.com/office/drawing/2014/main" val="417842951"/>
+                      <a16:colId xmlns:a16="http://schemas.microsoft.com/office/drawing/2014/main" xmlns="" val="417842951"/>
                     </a:ext>
                   </a:extLst>
                 </a:gridCol>
                 <a:gridCol w="1119256">
                   <a:extLst>
                     <a:ext uri="{9D8B030D-6E8A-4147-A177-3AD203B41FA5}">
-                      <a16:colId xmlns:a16="http://schemas.microsoft.com/office/drawing/2014/main" val="2570845072"/>
+                      <a16:colId xmlns:a16="http://schemas.microsoft.com/office/drawing/2014/main" xmlns="" val="2570845072"/>
                     </a:ext>
                   </a:extLst>
                 </a:gridCol>
@@ -5552,7 +5552,7 @@
                 </a:tc>
                 <a:extLst>
                   <a:ext uri="{0D108BD9-81ED-4DB2-BD59-A6C34878D82A}">
-                    <a16:rowId xmlns:a16="http://schemas.microsoft.com/office/drawing/2014/main" val="100451580"/>
+                    <a16:rowId xmlns:a16="http://schemas.microsoft.com/office/drawing/2014/main" xmlns="" val="100451580"/>
                   </a:ext>
                 </a:extLst>
               </a:tr>
@@ -5629,7 +5629,7 @@
                 </a:tc>
                 <a:extLst>
                   <a:ext uri="{0D108BD9-81ED-4DB2-BD59-A6C34878D82A}">
-                    <a16:rowId xmlns:a16="http://schemas.microsoft.com/office/drawing/2014/main" val="2807080070"/>
+                    <a16:rowId xmlns:a16="http://schemas.microsoft.com/office/drawing/2014/main" xmlns="" val="2807080070"/>
                   </a:ext>
                 </a:extLst>
               </a:tr>
@@ -5717,7 +5717,7 @@
                 </a:tc>
                 <a:extLst>
                   <a:ext uri="{0D108BD9-81ED-4DB2-BD59-A6C34878D82A}">
-                    <a16:rowId xmlns:a16="http://schemas.microsoft.com/office/drawing/2014/main" val="746087664"/>
+                    <a16:rowId xmlns:a16="http://schemas.microsoft.com/office/drawing/2014/main" xmlns="" val="746087664"/>
                   </a:ext>
                 </a:extLst>
               </a:tr>
@@ -5846,7 +5846,7 @@
                 </a:tc>
                 <a:extLst>
                   <a:ext uri="{0D108BD9-81ED-4DB2-BD59-A6C34878D82A}">
-                    <a16:rowId xmlns:a16="http://schemas.microsoft.com/office/drawing/2014/main" val="2046089664"/>
+                    <a16:rowId xmlns:a16="http://schemas.microsoft.com/office/drawing/2014/main" xmlns="" val="2046089664"/>
                   </a:ext>
                 </a:extLst>
               </a:tr>
@@ -5934,7 +5934,7 @@
                 </a:tc>
                 <a:extLst>
                   <a:ext uri="{0D108BD9-81ED-4DB2-BD59-A6C34878D82A}">
-                    <a16:rowId xmlns:a16="http://schemas.microsoft.com/office/drawing/2014/main" val="219203116"/>
+                    <a16:rowId xmlns:a16="http://schemas.microsoft.com/office/drawing/2014/main" xmlns="" val="219203116"/>
                   </a:ext>
                 </a:extLst>
               </a:tr>
@@ -6030,7 +6030,7 @@
                 </a:tc>
                 <a:extLst>
                   <a:ext uri="{0D108BD9-81ED-4DB2-BD59-A6C34878D82A}">
-                    <a16:rowId xmlns:a16="http://schemas.microsoft.com/office/drawing/2014/main" val="3745567008"/>
+                    <a16:rowId xmlns:a16="http://schemas.microsoft.com/office/drawing/2014/main" xmlns="" val="3745567008"/>
                   </a:ext>
                 </a:extLst>
               </a:tr>
@@ -6614,11 +6614,7 @@
             </a:r>
             <a:r>
               <a:rPr lang="ja-JP" altLang="en-US" sz="1800" dirty="0" smtClean="0"/>
-              <a:t>秒</a:t>
-            </a:r>
-            <a:r>
-              <a:rPr lang="ja-JP" altLang="en-US" sz="1800" dirty="0" smtClean="0"/>
-              <a:t>固定</a:t>
+              <a:t>秒固定</a:t>
             </a:r>
             <a:endParaRPr lang="en-US" altLang="ja-JP" sz="1800" dirty="0" smtClean="0"/>
           </a:p>
@@ -6941,25 +6937,6 @@
       </p:sp>
       <p:sp>
         <p:nvSpPr>
-          <p:cNvPr id="3" name="内容占位符 2"/>
-          <p:cNvSpPr>
-            <a:spLocks noGrp="1"/>
-          </p:cNvSpPr>
-          <p:nvPr>
-            <p:ph idx="1"/>
-          </p:nvPr>
-        </p:nvSpPr>
-        <p:spPr/>
-        <p:txBody>
-          <a:bodyPr/>
-          <a:lstStyle/>
-          <a:p>
-            <a:endParaRPr lang="zh-CN" altLang="en-US" dirty="0"/>
-          </a:p>
-        </p:txBody>
-      </p:sp>
-      <p:sp>
-        <p:nvSpPr>
           <p:cNvPr id="4" name="灯片编号占位符 3"/>
           <p:cNvSpPr>
             <a:spLocks noGrp="1"/>
@@ -6983,13 +6960,13 @@
       </p:sp>
       <p:sp>
         <p:nvSpPr>
-          <p:cNvPr id="5" name="正方形/長方形 5"/>
+          <p:cNvPr id="6" name="正方形/長方形 6"/>
           <p:cNvSpPr/>
           <p:nvPr/>
         </p:nvSpPr>
         <p:spPr>
           <a:xfrm>
-            <a:off x="4967362" y="2522367"/>
+            <a:off x="486711" y="2046830"/>
             <a:ext cx="1188720" cy="514350"/>
           </a:xfrm>
           <a:prstGeom prst="rect">
@@ -7026,23 +7003,30 @@
           <a:p>
             <a:pPr algn="ctr"/>
             <a:r>
-              <a:rPr lang="en-US" altLang="ja-JP" dirty="0" smtClean="0"/>
-              <a:t>Camera calibration</a:t>
-            </a:r>
-            <a:endParaRPr kumimoji="1" lang="ja-JP" altLang="en-US" dirty="0"/>
-          </a:p>
-        </p:txBody>
-      </p:sp>
-      <p:sp>
-        <p:nvSpPr>
-          <p:cNvPr id="6" name="正方形/長方形 6"/>
+              <a:rPr lang="en-US" altLang="zh-CN" dirty="0" smtClean="0"/>
+              <a:t>Patterns  </a:t>
+            </a:r>
+            <a:r>
+              <a:rPr lang="en-US" altLang="zh-CN" dirty="0"/>
+              <a:t>e</a:t>
+            </a:r>
+            <a:r>
+              <a:rPr lang="en-US" altLang="zh-CN" dirty="0" smtClean="0"/>
+              <a:t>ncoding</a:t>
+            </a:r>
+          </a:p>
+        </p:txBody>
+      </p:sp>
+      <p:sp>
+        <p:nvSpPr>
+          <p:cNvPr id="7" name="正方形/長方形 7"/>
           <p:cNvSpPr/>
           <p:nvPr/>
         </p:nvSpPr>
         <p:spPr>
           <a:xfrm>
-            <a:off x="396558" y="2915111"/>
-            <a:ext cx="1188720" cy="514350"/>
+            <a:off x="450039" y="3421499"/>
+            <a:ext cx="1262065" cy="514350"/>
           </a:xfrm>
           <a:prstGeom prst="rect">
             <a:avLst/>
@@ -7078,121 +7062,10 @@
           <a:p>
             <a:pPr algn="ctr"/>
             <a:r>
-              <a:rPr lang="en-US" altLang="zh-CN" dirty="0" smtClean="0"/>
-              <a:t>Patterns  </a:t>
-            </a:r>
-            <a:r>
-              <a:rPr lang="en-US" altLang="zh-CN" dirty="0"/>
-              <a:t>e</a:t>
-            </a:r>
-            <a:r>
-              <a:rPr lang="en-US" altLang="zh-CN" dirty="0" smtClean="0"/>
-              <a:t>ncoding</a:t>
-            </a:r>
-          </a:p>
-        </p:txBody>
-      </p:sp>
-      <p:sp>
-        <p:nvSpPr>
-          <p:cNvPr id="7" name="正方形/長方形 7"/>
-          <p:cNvSpPr/>
-          <p:nvPr/>
-        </p:nvSpPr>
-        <p:spPr>
-          <a:xfrm>
-            <a:off x="359886" y="4289780"/>
-            <a:ext cx="1262065" cy="514350"/>
-          </a:xfrm>
-          <a:prstGeom prst="rect">
-            <a:avLst/>
-          </a:prstGeom>
-          <a:noFill/>
-          <a:ln w="9525" cap="flat" cmpd="sng" algn="ctr">
-            <a:solidFill>
-              <a:schemeClr val="dk1"/>
-            </a:solidFill>
-            <a:prstDash val="solid"/>
-            <a:round/>
-            <a:headEnd type="none" w="med" len="med"/>
-            <a:tailEnd type="none" w="med" len="med"/>
-          </a:ln>
-        </p:spPr>
-        <p:style>
-          <a:lnRef idx="0">
-            <a:scrgbClr r="0" g="0" b="0"/>
-          </a:lnRef>
-          <a:fillRef idx="0">
-            <a:scrgbClr r="0" g="0" b="0"/>
-          </a:fillRef>
-          <a:effectRef idx="0">
-            <a:scrgbClr r="0" g="0" b="0"/>
-          </a:effectRef>
-          <a:fontRef idx="minor">
-            <a:schemeClr val="dk1"/>
-          </a:fontRef>
-        </p:style>
-        <p:txBody>
-          <a:bodyPr rtlCol="0" anchor="ctr"/>
-          <a:lstStyle/>
-          <a:p>
-            <a:pPr algn="ctr"/>
-            <a:r>
               <a:rPr lang="en-US" altLang="zh-CN" dirty="0"/>
               <a:t>Acquisition</a:t>
             </a:r>
             <a:endParaRPr lang="en-US" altLang="zh-CN" dirty="0" smtClean="0"/>
-          </a:p>
-        </p:txBody>
-      </p:sp>
-      <p:sp>
-        <p:nvSpPr>
-          <p:cNvPr id="8" name="正方形/長方形 9"/>
-          <p:cNvSpPr/>
-          <p:nvPr/>
-        </p:nvSpPr>
-        <p:spPr>
-          <a:xfrm>
-            <a:off x="4747498" y="3741809"/>
-            <a:ext cx="1628449" cy="514350"/>
-          </a:xfrm>
-          <a:prstGeom prst="rect">
-            <a:avLst/>
-          </a:prstGeom>
-          <a:noFill/>
-          <a:ln w="9525" cap="flat" cmpd="sng" algn="ctr">
-            <a:solidFill>
-              <a:schemeClr val="dk1"/>
-            </a:solidFill>
-            <a:prstDash val="solid"/>
-            <a:round/>
-            <a:headEnd type="none" w="med" len="med"/>
-            <a:tailEnd type="none" w="med" len="med"/>
-          </a:ln>
-        </p:spPr>
-        <p:style>
-          <a:lnRef idx="0">
-            <a:scrgbClr r="0" g="0" b="0"/>
-          </a:lnRef>
-          <a:fillRef idx="0">
-            <a:scrgbClr r="0" g="0" b="0"/>
-          </a:fillRef>
-          <a:effectRef idx="0">
-            <a:scrgbClr r="0" g="0" b="0"/>
-          </a:effectRef>
-          <a:fontRef idx="minor">
-            <a:schemeClr val="dk1"/>
-          </a:fontRef>
-        </p:style>
-        <p:txBody>
-          <a:bodyPr rtlCol="0" anchor="ctr"/>
-          <a:lstStyle/>
-          <a:p>
-            <a:pPr algn="ctr"/>
-            <a:r>
-              <a:rPr lang="en-US" altLang="zh-CN" dirty="0" smtClean="0"/>
-              <a:t>3D reconstruction</a:t>
-            </a:r>
-            <a:endParaRPr lang="en-US" altLang="zh-CN" dirty="0"/>
           </a:p>
         </p:txBody>
       </p:sp>
@@ -7207,7 +7080,7 @@
         </p:nvCxnSpPr>
         <p:spPr>
           <a:xfrm>
-            <a:off x="990918" y="3429461"/>
+            <a:off x="1081071" y="2561180"/>
             <a:ext cx="1" cy="860319"/>
           </a:xfrm>
           <a:prstGeom prst="straightConnector1">
@@ -7243,7 +7116,7 @@
         </p:nvCxnSpPr>
         <p:spPr>
           <a:xfrm>
-            <a:off x="2609214" y="3720996"/>
+            <a:off x="2699367" y="2852715"/>
             <a:ext cx="504613" cy="315652"/>
           </a:xfrm>
           <a:prstGeom prst="bentConnector3">
@@ -7273,45 +7146,6 @@
           </a:fontRef>
         </p:style>
       </p:cxnSp>
-      <p:cxnSp>
-        <p:nvCxnSpPr>
-          <p:cNvPr id="11" name="カギ線コネクタ 13"/>
-          <p:cNvCxnSpPr>
-            <a:stCxn id="5" idx="2"/>
-            <a:endCxn id="8" idx="0"/>
-          </p:cNvCxnSpPr>
-          <p:nvPr/>
-        </p:nvCxnSpPr>
-        <p:spPr>
-          <a:xfrm>
-            <a:off x="5561722" y="3036717"/>
-            <a:ext cx="1" cy="705092"/>
-          </a:xfrm>
-          <a:prstGeom prst="straightConnector1">
-            <a:avLst/>
-          </a:prstGeom>
-          <a:ln>
-            <a:solidFill>
-              <a:schemeClr val="tx1"/>
-            </a:solidFill>
-            <a:tailEnd type="triangle"/>
-          </a:ln>
-        </p:spPr>
-        <p:style>
-          <a:lnRef idx="1">
-            <a:schemeClr val="accent1"/>
-          </a:lnRef>
-          <a:fillRef idx="0">
-            <a:schemeClr val="accent1"/>
-          </a:fillRef>
-          <a:effectRef idx="0">
-            <a:schemeClr val="accent1"/>
-          </a:effectRef>
-          <a:fontRef idx="minor">
-            <a:schemeClr val="tx1"/>
-          </a:fontRef>
-        </p:style>
-      </p:cxnSp>
       <p:sp>
         <p:nvSpPr>
           <p:cNvPr id="12" name="正方形/長方形 15"/>
@@ -7320,7 +7154,7 @@
         </p:nvSpPr>
         <p:spPr>
           <a:xfrm>
-            <a:off x="187768" y="3848782"/>
+            <a:off x="277921" y="2980501"/>
             <a:ext cx="768559" cy="261610"/>
           </a:xfrm>
           <a:prstGeom prst="rect">
@@ -7349,7 +7183,7 @@
         </p:nvSpPr>
         <p:spPr>
           <a:xfrm>
-            <a:off x="1895799" y="5408903"/>
+            <a:off x="1985952" y="4540622"/>
             <a:ext cx="756113" cy="430887"/>
           </a:xfrm>
           <a:prstGeom prst="rect">
@@ -7378,7 +7212,7 @@
         </p:nvSpPr>
         <p:spPr>
           <a:xfrm>
-            <a:off x="6585633" y="3741809"/>
+            <a:off x="7670698" y="3405047"/>
             <a:ext cx="1018854" cy="514350"/>
           </a:xfrm>
           <a:prstGeom prst="parallelogram">
@@ -7416,51 +7250,16 @@
             <a:pPr algn="ctr"/>
             <a:r>
               <a:rPr kumimoji="1" lang="en-US" altLang="ja-JP" dirty="0" smtClean="0"/>
-              <a:t>Point cloud</a:t>
+              <a:t>Point </a:t>
+            </a:r>
+            <a:r>
+              <a:rPr kumimoji="1" lang="en-US" altLang="ja-JP" dirty="0" smtClean="0"/>
+              <a:t>cloud</a:t>
             </a:r>
             <a:endParaRPr kumimoji="1" lang="ja-JP" altLang="en-US" dirty="0"/>
           </a:p>
         </p:txBody>
       </p:sp>
-      <p:cxnSp>
-        <p:nvCxnSpPr>
-          <p:cNvPr id="15" name="直線矢印コネクタ 19"/>
-          <p:cNvCxnSpPr>
-            <a:stCxn id="8" idx="3"/>
-            <a:endCxn id="14" idx="5"/>
-          </p:cNvCxnSpPr>
-          <p:nvPr/>
-        </p:nvCxnSpPr>
-        <p:spPr>
-          <a:xfrm>
-            <a:off x="6375947" y="3998984"/>
-            <a:ext cx="273980" cy="0"/>
-          </a:xfrm>
-          <a:prstGeom prst="straightConnector1">
-            <a:avLst/>
-          </a:prstGeom>
-          <a:ln>
-            <a:solidFill>
-              <a:schemeClr val="tx1"/>
-            </a:solidFill>
-            <a:tailEnd type="triangle"/>
-          </a:ln>
-        </p:spPr>
-        <p:style>
-          <a:lnRef idx="1">
-            <a:schemeClr val="accent1"/>
-          </a:lnRef>
-          <a:fillRef idx="0">
-            <a:schemeClr val="accent1"/>
-          </a:fillRef>
-          <a:effectRef idx="0">
-            <a:schemeClr val="accent1"/>
-          </a:effectRef>
-          <a:fontRef idx="minor">
-            <a:schemeClr val="tx1"/>
-          </a:fontRef>
-        </p:style>
-      </p:cxnSp>
       <p:pic>
         <p:nvPicPr>
           <p:cNvPr id="16" name="Picture 6" descr="binary_h5"/>
@@ -7484,7 +7283,7 @@
         </p:blipFill>
         <p:spPr bwMode="auto">
           <a:xfrm>
-            <a:off x="1047640" y="3733057"/>
+            <a:off x="1137793" y="2864776"/>
             <a:ext cx="704586" cy="508311"/>
           </a:xfrm>
           <a:prstGeom prst="rect">
@@ -7512,46 +7311,13 @@
       </p:pic>
       <p:sp>
         <p:nvSpPr>
-          <p:cNvPr id="17" name="正方形/長方形 36"/>
-          <p:cNvSpPr/>
-          <p:nvPr/>
-        </p:nvSpPr>
-        <p:spPr>
-          <a:xfrm>
-            <a:off x="5561722" y="4435547"/>
-            <a:ext cx="904989" cy="430887"/>
-          </a:xfrm>
-          <a:prstGeom prst="rect">
-            <a:avLst/>
-          </a:prstGeom>
-        </p:spPr>
-        <p:txBody>
-          <a:bodyPr wrap="square">
-            <a:spAutoFit/>
-          </a:bodyPr>
-          <a:lstStyle/>
-          <a:p>
-            <a:r>
-              <a:rPr lang="en-US" altLang="zh-CN" sz="1100" dirty="0" smtClean="0"/>
-              <a:t>Extrinsic </a:t>
-            </a:r>
-            <a:r>
-              <a:rPr lang="en-US" altLang="zh-CN" sz="1100" dirty="0"/>
-              <a:t>Parameters</a:t>
-            </a:r>
-            <a:endParaRPr lang="ja-JP" altLang="en-US" sz="1100" dirty="0"/>
-          </a:p>
-        </p:txBody>
-      </p:sp>
-      <p:sp>
-        <p:nvSpPr>
           <p:cNvPr id="18" name="左大括号 17"/>
           <p:cNvSpPr/>
           <p:nvPr/>
         </p:nvSpPr>
         <p:spPr>
           <a:xfrm>
-            <a:off x="1658157" y="3472871"/>
+            <a:off x="1748310" y="2604590"/>
             <a:ext cx="303755" cy="1858984"/>
           </a:xfrm>
           <a:prstGeom prst="leftBrace">
@@ -7611,7 +7377,7 @@
         </p:blipFill>
         <p:spPr>
           <a:xfrm>
-            <a:off x="1947547" y="3472871"/>
+            <a:off x="2037700" y="2604590"/>
             <a:ext cx="661667" cy="496250"/>
           </a:xfrm>
           <a:prstGeom prst="rect">
@@ -7641,7 +7407,7 @@
         </p:blipFill>
         <p:spPr>
           <a:xfrm>
-            <a:off x="1948133" y="4083336"/>
+            <a:off x="2038286" y="3215055"/>
             <a:ext cx="661082" cy="495812"/>
           </a:xfrm>
           <a:prstGeom prst="rect">
@@ -7657,8 +7423,8 @@
         </p:nvSpPr>
         <p:spPr>
           <a:xfrm>
-            <a:off x="2846683" y="4739875"/>
-            <a:ext cx="1628449" cy="514350"/>
+            <a:off x="6243055" y="3405047"/>
+            <a:ext cx="1216013" cy="514350"/>
           </a:xfrm>
           <a:prstGeom prst="rect">
             <a:avLst/>
@@ -7701,19 +7467,46 @@
           </a:p>
         </p:txBody>
       </p:sp>
+      <p:sp>
+        <p:nvSpPr>
+          <p:cNvPr id="25" name="文本框 24"/>
+          <p:cNvSpPr txBox="1"/>
+          <p:nvPr/>
+        </p:nvSpPr>
+        <p:spPr>
+          <a:xfrm>
+            <a:off x="2235072" y="3710867"/>
+            <a:ext cx="257875" cy="923330"/>
+          </a:xfrm>
+          <a:prstGeom prst="rect">
+            <a:avLst/>
+          </a:prstGeom>
+          <a:noFill/>
+        </p:spPr>
+        <p:txBody>
+          <a:bodyPr wrap="square" rtlCol="0">
+            <a:spAutoFit/>
+          </a:bodyPr>
+          <a:lstStyle/>
+          <a:p>
+            <a:r>
+              <a:rPr lang="en-US" altLang="zh-CN" dirty="0" smtClean="0"/>
+              <a:t>···</a:t>
+            </a:r>
+            <a:endParaRPr lang="zh-CN" altLang="en-US" dirty="0"/>
+          </a:p>
+        </p:txBody>
+      </p:sp>
       <p:cxnSp>
         <p:nvCxnSpPr>
-          <p:cNvPr id="24" name="直接箭头连接符 23"/>
-          <p:cNvCxnSpPr>
-            <a:stCxn id="23" idx="3"/>
-            <a:endCxn id="8" idx="2"/>
-          </p:cNvCxnSpPr>
+          <p:cNvPr id="27" name="肘形连接符 26"/>
+          <p:cNvCxnSpPr/>
           <p:nvPr/>
         </p:nvCxnSpPr>
         <p:spPr>
           <a:xfrm flipV="1">
-            <a:off x="4475132" y="4256159"/>
-            <a:ext cx="1086591" cy="740891"/>
+            <a:off x="2686489" y="3175538"/>
+            <a:ext cx="264552" cy="274544"/>
           </a:xfrm>
           <a:prstGeom prst="bentConnector2">
             <a:avLst/>
@@ -7722,7 +7515,6 @@
             <a:solidFill>
               <a:schemeClr val="tx1"/>
             </a:solidFill>
-            <a:tailEnd type="triangle"/>
           </a:ln>
         </p:spPr>
         <p:style>
@@ -7742,14 +7534,14 @@
       </p:cxnSp>
       <p:sp>
         <p:nvSpPr>
-          <p:cNvPr id="25" name="文本框 24"/>
+          <p:cNvPr id="31" name="文本框 30"/>
           <p:cNvSpPr txBox="1"/>
           <p:nvPr/>
         </p:nvSpPr>
         <p:spPr>
           <a:xfrm>
-            <a:off x="2144919" y="4579148"/>
-            <a:ext cx="257875" cy="923330"/>
+            <a:off x="4792111" y="3461963"/>
+            <a:ext cx="266922" cy="923330"/>
           </a:xfrm>
           <a:prstGeom prst="rect">
             <a:avLst/>
@@ -7772,59 +7564,121 @@
       </p:sp>
       <p:sp>
         <p:nvSpPr>
-          <p:cNvPr id="26" name="正方形/長方形 36"/>
+          <p:cNvPr id="32" name="右大括号 31"/>
           <p:cNvSpPr/>
           <p:nvPr/>
         </p:nvSpPr>
         <p:spPr>
           <a:xfrm>
-            <a:off x="5555299" y="3161324"/>
-            <a:ext cx="904989" cy="430887"/>
-          </a:xfrm>
-          <a:prstGeom prst="rect">
-            <a:avLst/>
-          </a:prstGeom>
-        </p:spPr>
-        <p:txBody>
-          <a:bodyPr wrap="square">
-            <a:spAutoFit/>
-          </a:bodyPr>
-          <a:lstStyle/>
-          <a:p>
-            <a:r>
-              <a:rPr lang="en-US" altLang="zh-CN" sz="1100" dirty="0" smtClean="0"/>
-              <a:t>Intrinsic</a:t>
-            </a:r>
-            <a:r>
-              <a:rPr lang="ja-JP" altLang="en-US" sz="1100" dirty="0" smtClean="0"/>
-              <a:t>　</a:t>
-            </a:r>
-            <a:r>
-              <a:rPr lang="en-US" altLang="zh-CN" sz="1100" dirty="0" smtClean="0"/>
-              <a:t>Parameters</a:t>
-            </a:r>
-            <a:endParaRPr lang="ja-JP" altLang="en-US" sz="1100" dirty="0"/>
-          </a:p>
-        </p:txBody>
-      </p:sp>
-      <p:cxnSp>
-        <p:nvCxnSpPr>
-          <p:cNvPr id="27" name="肘形连接符 26"/>
-          <p:cNvCxnSpPr/>
-          <p:nvPr/>
-        </p:nvCxnSpPr>
-        <p:spPr>
-          <a:xfrm flipV="1">
-            <a:off x="2596336" y="4043819"/>
-            <a:ext cx="264552" cy="274544"/>
-          </a:xfrm>
-          <a:prstGeom prst="bentConnector2">
+            <a:off x="5848656" y="2878561"/>
+            <a:ext cx="347981" cy="1592161"/>
+          </a:xfrm>
+          <a:prstGeom prst="rightBrace">
             <a:avLst/>
           </a:prstGeom>
           <a:ln>
             <a:solidFill>
               <a:schemeClr val="tx1"/>
             </a:solidFill>
+          </a:ln>
+        </p:spPr>
+        <p:style>
+          <a:lnRef idx="1">
+            <a:schemeClr val="accent1"/>
+          </a:lnRef>
+          <a:fillRef idx="0">
+            <a:schemeClr val="accent1"/>
+          </a:fillRef>
+          <a:effectRef idx="0">
+            <a:schemeClr val="accent1"/>
+          </a:effectRef>
+          <a:fontRef idx="minor">
+            <a:schemeClr val="tx1"/>
+          </a:fontRef>
+        </p:style>
+        <p:txBody>
+          <a:bodyPr rtlCol="0" anchor="ctr"/>
+          <a:lstStyle/>
+          <a:p>
+            <a:pPr algn="ctr"/>
+            <a:endParaRPr lang="zh-CN" altLang="en-US"/>
+          </a:p>
+        </p:txBody>
+      </p:sp>
+      <p:sp>
+        <p:nvSpPr>
+          <p:cNvPr id="53" name="正方形/長方形 9"/>
+          <p:cNvSpPr/>
+          <p:nvPr/>
+        </p:nvSpPr>
+        <p:spPr>
+          <a:xfrm>
+            <a:off x="3214459" y="2873528"/>
+            <a:ext cx="899385" cy="514350"/>
+          </a:xfrm>
+          <a:prstGeom prst="rect">
+            <a:avLst/>
+          </a:prstGeom>
+          <a:noFill/>
+          <a:ln w="9525" cap="flat" cmpd="sng" algn="ctr">
+            <a:solidFill>
+              <a:schemeClr val="dk1"/>
+            </a:solidFill>
+            <a:prstDash val="solid"/>
+            <a:round/>
+            <a:headEnd type="none" w="med" len="med"/>
+            <a:tailEnd type="none" w="med" len="med"/>
+          </a:ln>
+        </p:spPr>
+        <p:style>
+          <a:lnRef idx="0">
+            <a:scrgbClr r="0" g="0" b="0"/>
+          </a:lnRef>
+          <a:fillRef idx="0">
+            <a:scrgbClr r="0" g="0" b="0"/>
+          </a:fillRef>
+          <a:effectRef idx="0">
+            <a:scrgbClr r="0" g="0" b="0"/>
+          </a:effectRef>
+          <a:fontRef idx="minor">
+            <a:schemeClr val="dk1"/>
+          </a:fontRef>
+        </p:style>
+        <p:txBody>
+          <a:bodyPr rtlCol="0" anchor="ctr"/>
+          <a:lstStyle/>
+          <a:p>
+            <a:pPr algn="ctr"/>
+            <a:r>
+              <a:rPr lang="en-US" altLang="ja-JP" dirty="0" smtClean="0"/>
+              <a:t>decode</a:t>
+            </a:r>
+            <a:endParaRPr lang="en-US" altLang="zh-CN" dirty="0"/>
+          </a:p>
+        </p:txBody>
+      </p:sp>
+      <p:cxnSp>
+        <p:nvCxnSpPr>
+          <p:cNvPr id="57" name="カギ線コネクタ 13"/>
+          <p:cNvCxnSpPr>
+            <a:stCxn id="23" idx="3"/>
+            <a:endCxn id="14" idx="5"/>
+          </p:cNvCxnSpPr>
+          <p:nvPr/>
+        </p:nvCxnSpPr>
+        <p:spPr>
+          <a:xfrm>
+            <a:off x="7459068" y="3662222"/>
+            <a:ext cx="275924" cy="0"/>
+          </a:xfrm>
+          <a:prstGeom prst="straightConnector1">
+            <a:avLst/>
+          </a:prstGeom>
+          <a:ln>
+            <a:solidFill>
+              <a:schemeClr val="tx1"/>
+            </a:solidFill>
+            <a:tailEnd type="triangle"/>
           </a:ln>
         </p:spPr>
         <p:style>
@@ -7844,89 +7698,16 @@
       </p:cxnSp>
       <p:sp>
         <p:nvSpPr>
-          <p:cNvPr id="31" name="文本框 30"/>
-          <p:cNvSpPr txBox="1"/>
-          <p:nvPr/>
-        </p:nvSpPr>
-        <p:spPr>
-          <a:xfrm>
-            <a:off x="6961599" y="4485573"/>
-            <a:ext cx="266922" cy="923330"/>
-          </a:xfrm>
-          <a:prstGeom prst="rect">
-            <a:avLst/>
-          </a:prstGeom>
-          <a:noFill/>
-        </p:spPr>
-        <p:txBody>
-          <a:bodyPr wrap="square" rtlCol="0">
-            <a:spAutoFit/>
-          </a:bodyPr>
-          <a:lstStyle/>
-          <a:p>
-            <a:r>
-              <a:rPr lang="en-US" altLang="zh-CN" dirty="0" smtClean="0"/>
-              <a:t>···</a:t>
-            </a:r>
-            <a:endParaRPr lang="zh-CN" altLang="en-US" dirty="0"/>
-          </a:p>
-        </p:txBody>
-      </p:sp>
-      <p:sp>
-        <p:nvSpPr>
-          <p:cNvPr id="32" name="右大括号 31"/>
+          <p:cNvPr id="39" name="平行四辺形 18"/>
           <p:cNvSpPr/>
           <p:nvPr/>
         </p:nvSpPr>
         <p:spPr>
           <a:xfrm>
-            <a:off x="7634061" y="3739694"/>
-            <a:ext cx="347981" cy="1592161"/>
-          </a:xfrm>
-          <a:prstGeom prst="rightBrace">
-            <a:avLst/>
-          </a:prstGeom>
-          <a:ln>
-            <a:solidFill>
-              <a:schemeClr val="tx1"/>
-            </a:solidFill>
-          </a:ln>
-        </p:spPr>
-        <p:style>
-          <a:lnRef idx="1">
-            <a:schemeClr val="accent1"/>
-          </a:lnRef>
-          <a:fillRef idx="0">
-            <a:schemeClr val="accent1"/>
-          </a:fillRef>
-          <a:effectRef idx="0">
-            <a:schemeClr val="accent1"/>
-          </a:effectRef>
-          <a:fontRef idx="minor">
-            <a:schemeClr val="tx1"/>
-          </a:fontRef>
-        </p:style>
-        <p:txBody>
-          <a:bodyPr rtlCol="0" anchor="ctr"/>
-          <a:lstStyle/>
-          <a:p>
-            <a:pPr algn="ctr"/>
-            <a:endParaRPr lang="zh-CN" altLang="en-US"/>
-          </a:p>
-        </p:txBody>
-      </p:sp>
-      <p:sp>
-        <p:nvSpPr>
-          <p:cNvPr id="33" name="正方形/長方形 5"/>
-          <p:cNvSpPr/>
-          <p:nvPr/>
-        </p:nvSpPr>
-        <p:spPr>
-          <a:xfrm>
-            <a:off x="8030510" y="4262723"/>
-            <a:ext cx="882877" cy="514350"/>
-          </a:xfrm>
-          <a:prstGeom prst="rect">
+            <a:off x="4382608" y="2873313"/>
+            <a:ext cx="1261193" cy="514350"/>
+          </a:xfrm>
+          <a:prstGeom prst="parallelogram">
             <a:avLst/>
           </a:prstGeom>
           <a:noFill/>
@@ -7958,80 +7739,34 @@
           <a:bodyPr rtlCol="0" anchor="ctr"/>
           <a:lstStyle/>
           <a:p>
-            <a:pPr algn="ctr"/>
-            <a:r>
-              <a:rPr lang="en-US" altLang="ja-JP" dirty="0" smtClean="0"/>
-              <a:t>Merge</a:t>
-            </a:r>
-            <a:endParaRPr kumimoji="1" lang="ja-JP" altLang="en-US" dirty="0"/>
-          </a:p>
-        </p:txBody>
-      </p:sp>
-      <p:sp>
-        <p:nvSpPr>
-          <p:cNvPr id="53" name="正方形/長方形 9"/>
-          <p:cNvSpPr/>
-          <p:nvPr/>
-        </p:nvSpPr>
-        <p:spPr>
-          <a:xfrm>
-            <a:off x="3124306" y="3741809"/>
-            <a:ext cx="1062440" cy="514350"/>
-          </a:xfrm>
-          <a:prstGeom prst="rect">
-            <a:avLst/>
-          </a:prstGeom>
-          <a:noFill/>
-          <a:ln w="9525" cap="flat" cmpd="sng" algn="ctr">
-            <a:solidFill>
-              <a:schemeClr val="dk1"/>
-            </a:solidFill>
-            <a:prstDash val="solid"/>
-            <a:round/>
-            <a:headEnd type="none" w="med" len="med"/>
-            <a:tailEnd type="none" w="med" len="med"/>
-          </a:ln>
-        </p:spPr>
-        <p:style>
-          <a:lnRef idx="0">
-            <a:scrgbClr r="0" g="0" b="0"/>
-          </a:lnRef>
-          <a:fillRef idx="0">
-            <a:scrgbClr r="0" g="0" b="0"/>
-          </a:fillRef>
-          <a:effectRef idx="0">
-            <a:scrgbClr r="0" g="0" b="0"/>
-          </a:effectRef>
-          <a:fontRef idx="minor">
-            <a:schemeClr val="dk1"/>
-          </a:fontRef>
-        </p:style>
-        <p:txBody>
-          <a:bodyPr rtlCol="0" anchor="ctr"/>
-          <a:lstStyle/>
-          <a:p>
-            <a:pPr algn="ctr"/>
-            <a:r>
-              <a:rPr lang="en-US" altLang="ja-JP" dirty="0" smtClean="0"/>
-              <a:t>decode</a:t>
-            </a:r>
-            <a:endParaRPr lang="en-US" altLang="zh-CN" dirty="0"/>
+            <a:r>
+              <a:rPr lang="en-US" altLang="ja-JP" dirty="0"/>
+              <a:t>Feature</a:t>
+            </a:r>
+            <a:r>
+              <a:rPr lang="ja-JP" altLang="en-US" dirty="0"/>
+              <a:t> </a:t>
+            </a:r>
+            <a:r>
+              <a:rPr lang="en-US" altLang="ja-JP" dirty="0"/>
+              <a:t>Points</a:t>
+            </a:r>
           </a:p>
         </p:txBody>
       </p:sp>
       <p:cxnSp>
         <p:nvCxnSpPr>
-          <p:cNvPr id="57" name="カギ線コネクタ 13"/>
+          <p:cNvPr id="45" name="カギ線コネクタ 13"/>
           <p:cNvCxnSpPr>
             <a:stCxn id="53" idx="3"/>
-            <a:endCxn id="8" idx="1"/>
+            <a:endCxn id="39" idx="5"/>
           </p:cNvCxnSpPr>
           <p:nvPr/>
         </p:nvCxnSpPr>
         <p:spPr>
-          <a:xfrm>
-            <a:off x="4186746" y="3998984"/>
-            <a:ext cx="560752" cy="0"/>
+          <a:xfrm flipV="1">
+            <a:off x="4113844" y="3130488"/>
+            <a:ext cx="333058" cy="215"/>
           </a:xfrm>
           <a:prstGeom prst="straightConnector1">
             <a:avLst/>
@@ -8058,141 +7793,6 @@
           </a:fontRef>
         </p:style>
       </p:cxnSp>
-      <p:cxnSp>
-        <p:nvCxnSpPr>
-          <p:cNvPr id="60" name="カギ線コネクタ 13"/>
-          <p:cNvCxnSpPr>
-            <a:stCxn id="53" idx="2"/>
-            <a:endCxn id="23" idx="0"/>
-          </p:cNvCxnSpPr>
-          <p:nvPr/>
-        </p:nvCxnSpPr>
-        <p:spPr>
-          <a:xfrm>
-            <a:off x="3655526" y="4256159"/>
-            <a:ext cx="5382" cy="483716"/>
-          </a:xfrm>
-          <a:prstGeom prst="straightConnector1">
-            <a:avLst/>
-          </a:prstGeom>
-          <a:ln>
-            <a:solidFill>
-              <a:srgbClr val="FF0000"/>
-            </a:solidFill>
-            <a:tailEnd type="triangle"/>
-          </a:ln>
-        </p:spPr>
-        <p:style>
-          <a:lnRef idx="1">
-            <a:schemeClr val="accent1"/>
-          </a:lnRef>
-          <a:fillRef idx="0">
-            <a:schemeClr val="accent1"/>
-          </a:fillRef>
-          <a:effectRef idx="0">
-            <a:schemeClr val="accent1"/>
-          </a:effectRef>
-          <a:fontRef idx="minor">
-            <a:schemeClr val="tx1"/>
-          </a:fontRef>
-        </p:style>
-      </p:cxnSp>
-      <p:sp>
-        <p:nvSpPr>
-          <p:cNvPr id="65" name="正方形/長方形 36"/>
-          <p:cNvSpPr/>
-          <p:nvPr/>
-        </p:nvSpPr>
-        <p:spPr>
-          <a:xfrm>
-            <a:off x="3796167" y="4330244"/>
-            <a:ext cx="671535" cy="430887"/>
-          </a:xfrm>
-          <a:prstGeom prst="rect">
-            <a:avLst/>
-          </a:prstGeom>
-        </p:spPr>
-        <p:txBody>
-          <a:bodyPr wrap="square">
-            <a:spAutoFit/>
-          </a:bodyPr>
-          <a:lstStyle/>
-          <a:p>
-            <a:r>
-              <a:rPr lang="en-US" altLang="ja-JP" sz="1100" dirty="0" smtClean="0">
-                <a:solidFill>
-                  <a:srgbClr val="FF0000"/>
-                </a:solidFill>
-              </a:rPr>
-              <a:t>Feature</a:t>
-            </a:r>
-            <a:r>
-              <a:rPr lang="ja-JP" altLang="en-US" sz="1100" dirty="0">
-                <a:solidFill>
-                  <a:srgbClr val="FF0000"/>
-                </a:solidFill>
-              </a:rPr>
-              <a:t> </a:t>
-            </a:r>
-            <a:r>
-              <a:rPr lang="en-US" altLang="ja-JP" sz="1100" dirty="0">
-                <a:solidFill>
-                  <a:srgbClr val="FF0000"/>
-                </a:solidFill>
-              </a:rPr>
-              <a:t>P</a:t>
-            </a:r>
-            <a:r>
-              <a:rPr lang="en-US" altLang="ja-JP" sz="1100" dirty="0" smtClean="0">
-                <a:solidFill>
-                  <a:srgbClr val="FF0000"/>
-                </a:solidFill>
-              </a:rPr>
-              <a:t>oints</a:t>
-            </a:r>
-          </a:p>
-        </p:txBody>
-      </p:sp>
-      <p:sp>
-        <p:nvSpPr>
-          <p:cNvPr id="66" name="正方形/長方形 36"/>
-          <p:cNvSpPr/>
-          <p:nvPr/>
-        </p:nvSpPr>
-        <p:spPr>
-          <a:xfrm>
-            <a:off x="4189786" y="3568097"/>
-            <a:ext cx="671535" cy="430887"/>
-          </a:xfrm>
-          <a:prstGeom prst="rect">
-            <a:avLst/>
-          </a:prstGeom>
-        </p:spPr>
-        <p:txBody>
-          <a:bodyPr wrap="square">
-            <a:spAutoFit/>
-          </a:bodyPr>
-          <a:lstStyle/>
-          <a:p>
-            <a:r>
-              <a:rPr lang="en-US" altLang="ja-JP" sz="1100" dirty="0" smtClean="0"/>
-              <a:t>Feature</a:t>
-            </a:r>
-            <a:r>
-              <a:rPr lang="ja-JP" altLang="en-US" sz="1100" dirty="0"/>
-              <a:t> </a:t>
-            </a:r>
-            <a:r>
-              <a:rPr lang="en-US" altLang="ja-JP" sz="1100" dirty="0"/>
-              <a:t>P</a:t>
-            </a:r>
-            <a:r>
-              <a:rPr lang="en-US" altLang="ja-JP" sz="1100" dirty="0" smtClean="0"/>
-              <a:t>oints</a:t>
-            </a:r>
-          </a:p>
-        </p:txBody>
-      </p:sp>
     </p:spTree>
     <p:extLst>
       <p:ext uri="{BB962C8B-B14F-4D97-AF65-F5344CB8AC3E}">
@@ -8963,41 +8563,13 @@
           <a:p>
             <a:r>
               <a:rPr lang="ja-JP" altLang="en-US" dirty="0" smtClean="0"/>
-              <a:t>結果</a:t>
+              <a:t>結</a:t>
+            </a:r>
+            <a:r>
+              <a:rPr lang="ja-JP" altLang="en-US" dirty="0" smtClean="0"/>
+              <a:t>果</a:t>
             </a:r>
             <a:endParaRPr lang="en-US" altLang="ja-JP" dirty="0" smtClean="0"/>
-          </a:p>
-          <a:p>
-            <a:endParaRPr lang="en-US" altLang="zh-CN" dirty="0"/>
-          </a:p>
-          <a:p>
-            <a:endParaRPr lang="en-US" altLang="zh-CN" dirty="0" smtClean="0"/>
-          </a:p>
-          <a:p>
-            <a:endParaRPr lang="en-US" altLang="zh-CN" dirty="0"/>
-          </a:p>
-          <a:p>
-            <a:endParaRPr lang="en-US" altLang="zh-CN" dirty="0" smtClean="0"/>
-          </a:p>
-          <a:p>
-            <a:endParaRPr lang="en-US" altLang="zh-CN" dirty="0"/>
-          </a:p>
-          <a:p>
-            <a:endParaRPr lang="en-US" altLang="zh-CN" dirty="0" smtClean="0"/>
-          </a:p>
-          <a:p>
-            <a:endParaRPr lang="en-US" altLang="zh-CN" dirty="0" smtClean="0"/>
-          </a:p>
-          <a:p>
-            <a:r>
-              <a:rPr lang="en-US" altLang="zh-CN" dirty="0" smtClean="0"/>
-              <a:t>3dunderworld</a:t>
-            </a:r>
-            <a:r>
-              <a:rPr lang="ja-JP" altLang="en-US" dirty="0" smtClean="0"/>
-              <a:t>のアルゴリズムで復元した。</a:t>
-            </a:r>
-            <a:endParaRPr lang="en-US" altLang="zh-CN" dirty="0"/>
           </a:p>
         </p:txBody>
       </p:sp>
@@ -9026,7 +8598,7 @@
       </p:sp>
       <p:pic>
         <p:nvPicPr>
-          <p:cNvPr id="75" name="图片 74"/>
+          <p:cNvPr id="5" name="图片 4"/>
           <p:cNvPicPr>
             <a:picLocks noChangeAspect="1"/>
           </p:cNvPicPr>
@@ -9046,8 +8618,8 @@
         </p:blipFill>
         <p:spPr>
           <a:xfrm>
-            <a:off x="2280724" y="1690689"/>
-            <a:ext cx="2607481" cy="1888943"/>
+            <a:off x="628650" y="2655823"/>
+            <a:ext cx="3891835" cy="3235451"/>
           </a:xfrm>
           <a:prstGeom prst="rect">
             <a:avLst/>
@@ -9056,7 +8628,7 @@
       </p:pic>
       <p:pic>
         <p:nvPicPr>
-          <p:cNvPr id="76" name="图片 75"/>
+          <p:cNvPr id="6" name="图片 5"/>
           <p:cNvPicPr>
             <a:picLocks noChangeAspect="1"/>
           </p:cNvPicPr>
@@ -9076,134 +8648,14 @@
         </p:blipFill>
         <p:spPr>
           <a:xfrm>
-            <a:off x="5444838" y="1716361"/>
-            <a:ext cx="2525223" cy="1863271"/>
+            <a:off x="4520485" y="2655822"/>
+            <a:ext cx="4090348" cy="3235452"/>
           </a:xfrm>
           <a:prstGeom prst="rect">
             <a:avLst/>
           </a:prstGeom>
         </p:spPr>
       </p:pic>
-      <p:pic>
-        <p:nvPicPr>
-          <p:cNvPr id="77" name="图片 76"/>
-          <p:cNvPicPr>
-            <a:picLocks noChangeAspect="1"/>
-          </p:cNvPicPr>
-          <p:nvPr/>
-        </p:nvPicPr>
-        <p:blipFill>
-          <a:blip r:embed="rId4">
-            <a:extLst>
-              <a:ext uri="{28A0092B-C50C-407E-A947-70E740481C1C}">
-                <a14:useLocalDpi xmlns:a14="http://schemas.microsoft.com/office/drawing/2010/main" val="0"/>
-              </a:ext>
-            </a:extLst>
-          </a:blip>
-          <a:stretch>
-            <a:fillRect/>
-          </a:stretch>
-        </p:blipFill>
-        <p:spPr>
-          <a:xfrm>
-            <a:off x="2280726" y="3714568"/>
-            <a:ext cx="2607480" cy="1827465"/>
-          </a:xfrm>
-          <a:prstGeom prst="rect">
-            <a:avLst/>
-          </a:prstGeom>
-        </p:spPr>
-      </p:pic>
-      <p:pic>
-        <p:nvPicPr>
-          <p:cNvPr id="78" name="图片 77"/>
-          <p:cNvPicPr>
-            <a:picLocks noChangeAspect="1"/>
-          </p:cNvPicPr>
-          <p:nvPr/>
-        </p:nvPicPr>
-        <p:blipFill>
-          <a:blip r:embed="rId5">
-            <a:extLst>
-              <a:ext uri="{28A0092B-C50C-407E-A947-70E740481C1C}">
-                <a14:useLocalDpi xmlns:a14="http://schemas.microsoft.com/office/drawing/2010/main" val="0"/>
-              </a:ext>
-            </a:extLst>
-          </a:blip>
-          <a:stretch>
-            <a:fillRect/>
-          </a:stretch>
-        </p:blipFill>
-        <p:spPr>
-          <a:xfrm>
-            <a:off x="5444838" y="3714568"/>
-            <a:ext cx="2525223" cy="1827465"/>
-          </a:xfrm>
-          <a:prstGeom prst="rect">
-            <a:avLst/>
-          </a:prstGeom>
-        </p:spPr>
-      </p:pic>
-      <p:sp>
-        <p:nvSpPr>
-          <p:cNvPr id="79" name="文本框 78"/>
-          <p:cNvSpPr txBox="1"/>
-          <p:nvPr/>
-        </p:nvSpPr>
-        <p:spPr>
-          <a:xfrm>
-            <a:off x="495541" y="2319219"/>
-            <a:ext cx="1604318" cy="646331"/>
-          </a:xfrm>
-          <a:prstGeom prst="rect">
-            <a:avLst/>
-          </a:prstGeom>
-          <a:noFill/>
-        </p:spPr>
-        <p:txBody>
-          <a:bodyPr wrap="square" rtlCol="0">
-            <a:spAutoFit/>
-          </a:bodyPr>
-          <a:lstStyle/>
-          <a:p>
-            <a:r>
-              <a:rPr lang="ja-JP" altLang="en-US" dirty="0"/>
-              <a:t>白いパターンの特徴点</a:t>
-            </a:r>
-            <a:endParaRPr lang="zh-CN" altLang="en-US" dirty="0"/>
-          </a:p>
-        </p:txBody>
-      </p:sp>
-      <p:sp>
-        <p:nvSpPr>
-          <p:cNvPr id="80" name="文本框 79"/>
-          <p:cNvSpPr txBox="1"/>
-          <p:nvPr/>
-        </p:nvSpPr>
-        <p:spPr>
-          <a:xfrm>
-            <a:off x="495541" y="4305134"/>
-            <a:ext cx="1604318" cy="646331"/>
-          </a:xfrm>
-          <a:prstGeom prst="rect">
-            <a:avLst/>
-          </a:prstGeom>
-          <a:noFill/>
-        </p:spPr>
-        <p:txBody>
-          <a:bodyPr wrap="square" rtlCol="0">
-            <a:spAutoFit/>
-          </a:bodyPr>
-          <a:lstStyle/>
-          <a:p>
-            <a:r>
-              <a:rPr lang="ja-JP" altLang="en-US" dirty="0"/>
-              <a:t>デコードの特徴点</a:t>
-            </a:r>
-            <a:endParaRPr lang="zh-CN" altLang="en-US" dirty="0"/>
-          </a:p>
-        </p:txBody>
-      </p:sp>
     </p:spTree>
     <p:extLst>
       <p:ext uri="{BB962C8B-B14F-4D97-AF65-F5344CB8AC3E}">

--- a/report/report 李淳雨20170220.pptx
+++ b/report/report 李淳雨20170220.pptx
@@ -5367,7 +5367,27 @@
           <a:p>
             <a:r>
               <a:rPr kumimoji="1" lang="ja-JP" altLang="en-US" dirty="0" smtClean="0"/>
-              <a:t>結果</a:t>
+              <a:t>結</a:t>
+            </a:r>
+            <a:r>
+              <a:rPr kumimoji="1" lang="ja-JP" altLang="en-US" dirty="0" smtClean="0"/>
+              <a:t>果</a:t>
+            </a:r>
+            <a:r>
+              <a:rPr kumimoji="1" lang="zh-CN" altLang="en-US" dirty="0" smtClean="0"/>
+              <a:t>（</a:t>
+            </a:r>
+            <a:r>
+              <a:rPr kumimoji="1" lang="ja-JP" altLang="en-US" dirty="0" smtClean="0"/>
+              <a:t>画像解像度</a:t>
+            </a:r>
+            <a:r>
+              <a:rPr lang="en-US" altLang="ja-JP" dirty="0"/>
+              <a:t>1280*960 </a:t>
+            </a:r>
+            <a:r>
+              <a:rPr kumimoji="1" lang="zh-CN" altLang="en-US" dirty="0" smtClean="0"/>
+              <a:t>）</a:t>
             </a:r>
             <a:endParaRPr kumimoji="1" lang="ja-JP" altLang="en-US" dirty="0"/>
           </a:p>
@@ -5405,7 +5425,7 @@
           <p:nvPr>
             <p:extLst>
               <p:ext uri="{D42A27DB-BD31-4B8C-83A1-F6EECF244321}">
-                <p14:modId xmlns:p14="http://schemas.microsoft.com/office/powerpoint/2010/main" val="3416122867"/>
+                <p14:modId xmlns:p14="http://schemas.microsoft.com/office/powerpoint/2010/main" val="2058574666"/>
               </p:ext>
             </p:extLst>
           </p:nvPr>
@@ -5424,42 +5444,42 @@
                 <a:gridCol w="702261">
                   <a:extLst>
                     <a:ext uri="{9D8B030D-6E8A-4147-A177-3AD203B41FA5}">
-                      <a16:colId xmlns:a16="http://schemas.microsoft.com/office/drawing/2014/main" xmlns="" val="110332252"/>
+                      <a16:colId xmlns="" xmlns:a16="http://schemas.microsoft.com/office/drawing/2014/main" val="110332252"/>
                     </a:ext>
                   </a:extLst>
                 </a:gridCol>
                 <a:gridCol w="1623973">
                   <a:extLst>
                     <a:ext uri="{9D8B030D-6E8A-4147-A177-3AD203B41FA5}">
-                      <a16:colId xmlns:a16="http://schemas.microsoft.com/office/drawing/2014/main" xmlns="" val="1476679492"/>
+                      <a16:colId xmlns="" xmlns:a16="http://schemas.microsoft.com/office/drawing/2014/main" val="1476679492"/>
                     </a:ext>
                   </a:extLst>
                 </a:gridCol>
                 <a:gridCol w="1408147">
                   <a:extLst>
                     <a:ext uri="{9D8B030D-6E8A-4147-A177-3AD203B41FA5}">
-                      <a16:colId xmlns:a16="http://schemas.microsoft.com/office/drawing/2014/main" xmlns="" val="636332937"/>
+                      <a16:colId xmlns="" xmlns:a16="http://schemas.microsoft.com/office/drawing/2014/main" val="636332937"/>
                     </a:ext>
                   </a:extLst>
                 </a:gridCol>
                 <a:gridCol w="1513984">
                   <a:extLst>
                     <a:ext uri="{9D8B030D-6E8A-4147-A177-3AD203B41FA5}">
-                      <a16:colId xmlns:a16="http://schemas.microsoft.com/office/drawing/2014/main" xmlns="" val="2242567350"/>
+                      <a16:colId xmlns="" xmlns:a16="http://schemas.microsoft.com/office/drawing/2014/main" val="2242567350"/>
                     </a:ext>
                   </a:extLst>
                 </a:gridCol>
                 <a:gridCol w="1119256">
                   <a:extLst>
                     <a:ext uri="{9D8B030D-6E8A-4147-A177-3AD203B41FA5}">
-                      <a16:colId xmlns:a16="http://schemas.microsoft.com/office/drawing/2014/main" xmlns="" val="417842951"/>
+                      <a16:colId xmlns="" xmlns:a16="http://schemas.microsoft.com/office/drawing/2014/main" val="417842951"/>
                     </a:ext>
                   </a:extLst>
                 </a:gridCol>
                 <a:gridCol w="1119256">
                   <a:extLst>
                     <a:ext uri="{9D8B030D-6E8A-4147-A177-3AD203B41FA5}">
-                      <a16:colId xmlns:a16="http://schemas.microsoft.com/office/drawing/2014/main" xmlns="" val="2570845072"/>
+                      <a16:colId xmlns="" xmlns:a16="http://schemas.microsoft.com/office/drawing/2014/main" val="2570845072"/>
                     </a:ext>
                   </a:extLst>
                 </a:gridCol>
@@ -5472,8 +5492,8 @@
                     <a:p>
                       <a:pPr algn="ctr"/>
                       <a:r>
-                        <a:rPr kumimoji="1" lang="en-US" altLang="ja-JP" dirty="0" smtClean="0"/>
-                        <a:t>Plane</a:t>
+                        <a:rPr kumimoji="1" lang="ja-JP" altLang="en-US" dirty="0" smtClean="0"/>
+                        <a:t>平面</a:t>
                       </a:r>
                       <a:endParaRPr kumimoji="1" lang="ja-JP" altLang="en-US" dirty="0"/>
                     </a:p>
@@ -5487,8 +5507,8 @@
                     <a:p>
                       <a:pPr algn="ctr"/>
                       <a:r>
-                        <a:rPr kumimoji="1" lang="en-US" altLang="ja-JP" dirty="0" err="1" smtClean="0"/>
-                        <a:t>Funtion</a:t>
+                        <a:rPr kumimoji="1" lang="ja-JP" altLang="en-US" dirty="0" smtClean="0"/>
+                        <a:t>手法</a:t>
                       </a:r>
                       <a:endParaRPr kumimoji="1" lang="ja-JP" altLang="en-US" dirty="0"/>
                     </a:p>
@@ -5503,7 +5523,11 @@
                       <a:pPr algn="ctr"/>
                       <a:r>
                         <a:rPr kumimoji="1" lang="en-US" altLang="ja-JP" dirty="0" smtClean="0"/>
-                        <a:t>3d points</a:t>
+                        <a:t>3d</a:t>
+                      </a:r>
+                      <a:r>
+                        <a:rPr kumimoji="1" lang="ja-JP" altLang="en-US" dirty="0" smtClean="0"/>
+                        <a:t>点群</a:t>
                       </a:r>
                       <a:endParaRPr kumimoji="1" lang="ja-JP" altLang="en-US" dirty="0"/>
                     </a:p>
@@ -5525,12 +5549,26 @@
                     <a:bodyPr/>
                     <a:lstStyle/>
                     <a:p>
-                      <a:pPr algn="ctr"/>
+                      <a:pPr marL="0" algn="ctr" defTabSz="914400" rtl="0" eaLnBrk="1" latinLnBrk="0" hangingPunct="1"/>
                       <a:r>
-                        <a:rPr kumimoji="1" lang="en-US" altLang="ja-JP" dirty="0" smtClean="0"/>
+                        <a:rPr kumimoji="1" lang="en-US" altLang="ja-JP" sz="1800" kern="1200" dirty="0" smtClean="0">
+                          <a:solidFill>
+                            <a:schemeClr val="tx1"/>
+                          </a:solidFill>
+                          <a:latin typeface="+mn-lt"/>
+                          <a:ea typeface="+mn-ea"/>
+                          <a:cs typeface="+mn-cs"/>
+                        </a:rPr>
                         <a:t>RMSE</a:t>
                       </a:r>
-                      <a:endParaRPr kumimoji="1" lang="ja-JP" altLang="en-US" dirty="0"/>
+                      <a:endParaRPr kumimoji="1" lang="ja-JP" altLang="en-US" sz="1800" kern="1200" dirty="0">
+                        <a:solidFill>
+                          <a:schemeClr val="tx1"/>
+                        </a:solidFill>
+                        <a:latin typeface="+mn-lt"/>
+                        <a:ea typeface="+mn-ea"/>
+                        <a:cs typeface="+mn-cs"/>
+                      </a:endParaRPr>
                     </a:p>
                   </a:txBody>
                   <a:tcPr anchor="ctr"/>
@@ -5542,8 +5580,16 @@
                     <a:p>
                       <a:pPr algn="ctr"/>
                       <a:r>
+                        <a:rPr kumimoji="1" lang="ja-JP" altLang="en-US" dirty="0" smtClean="0"/>
+                        <a:t>点数</a:t>
+                      </a:r>
+                      <a:r>
                         <a:rPr kumimoji="1" lang="en-US" altLang="ja-JP" dirty="0" smtClean="0"/>
-                        <a:t>Points(N)</a:t>
+                        <a:t>(N</a:t>
+                      </a:r>
+                      <a:r>
+                        <a:rPr kumimoji="1" lang="en-US" altLang="ja-JP" dirty="0" smtClean="0"/>
+                        <a:t>)</a:t>
                       </a:r>
                       <a:endParaRPr kumimoji="1" lang="ja-JP" altLang="en-US" dirty="0"/>
                     </a:p>
@@ -5552,7 +5598,7 @@
                 </a:tc>
                 <a:extLst>
                   <a:ext uri="{0D108BD9-81ED-4DB2-BD59-A6C34878D82A}">
-                    <a16:rowId xmlns:a16="http://schemas.microsoft.com/office/drawing/2014/main" xmlns="" val="100451580"/>
+                    <a16:rowId xmlns="" xmlns:a16="http://schemas.microsoft.com/office/drawing/2014/main" val="100451580"/>
                   </a:ext>
                 </a:extLst>
               </a:tr>
@@ -5585,7 +5631,11 @@
                       <a:pPr algn="ctr"/>
                       <a:r>
                         <a:rPr kumimoji="1" lang="en-US" altLang="ja-JP" dirty="0" smtClean="0"/>
-                        <a:t> Front view</a:t>
+                        <a:t> </a:t>
+                      </a:r>
+                      <a:r>
+                        <a:rPr kumimoji="1" lang="ja-JP" altLang="en-US" dirty="0" smtClean="0"/>
+                        <a:t>正面図</a:t>
                       </a:r>
                       <a:endParaRPr kumimoji="1" lang="ja-JP" altLang="en-US" dirty="0"/>
                     </a:p>
@@ -5597,12 +5647,26 @@
                     <a:bodyPr/>
                     <a:lstStyle/>
                     <a:p>
-                      <a:pPr algn="ctr"/>
+                      <a:pPr marL="0" algn="ctr" defTabSz="914400" rtl="0" eaLnBrk="1" latinLnBrk="0" hangingPunct="1"/>
                       <a:r>
-                        <a:rPr kumimoji="1" lang="en-US" altLang="ja-JP" dirty="0" smtClean="0"/>
-                        <a:t>Vertical view</a:t>
+                        <a:rPr kumimoji="1" lang="zh-CN" altLang="en-US" sz="1800" kern="1200" dirty="0" smtClean="0">
+                          <a:solidFill>
+                            <a:schemeClr val="tx1"/>
+                          </a:solidFill>
+                          <a:latin typeface="+mn-lt"/>
+                          <a:ea typeface="+mn-ea"/>
+                          <a:cs typeface="+mn-cs"/>
+                        </a:rPr>
+                        <a:t>上面図</a:t>
                       </a:r>
-                      <a:endParaRPr kumimoji="1" lang="ja-JP" altLang="en-US" dirty="0"/>
+                      <a:endParaRPr kumimoji="1" lang="ja-JP" altLang="en-US" sz="1800" kern="1200" dirty="0">
+                        <a:solidFill>
+                          <a:schemeClr val="tx1"/>
+                        </a:solidFill>
+                        <a:latin typeface="+mn-lt"/>
+                        <a:ea typeface="+mn-ea"/>
+                        <a:cs typeface="+mn-cs"/>
+                      </a:endParaRPr>
                     </a:p>
                   </a:txBody>
                   <a:tcPr anchor="ctr"/>
@@ -5629,7 +5693,7 @@
                 </a:tc>
                 <a:extLst>
                   <a:ext uri="{0D108BD9-81ED-4DB2-BD59-A6C34878D82A}">
-                    <a16:rowId xmlns:a16="http://schemas.microsoft.com/office/drawing/2014/main" xmlns="" val="2807080070"/>
+                    <a16:rowId xmlns="" xmlns:a16="http://schemas.microsoft.com/office/drawing/2014/main" val="2807080070"/>
                   </a:ext>
                 </a:extLst>
               </a:tr>
@@ -5717,7 +5781,7 @@
                 </a:tc>
                 <a:extLst>
                   <a:ext uri="{0D108BD9-81ED-4DB2-BD59-A6C34878D82A}">
-                    <a16:rowId xmlns:a16="http://schemas.microsoft.com/office/drawing/2014/main" xmlns="" val="746087664"/>
+                    <a16:rowId xmlns="" xmlns:a16="http://schemas.microsoft.com/office/drawing/2014/main" val="746087664"/>
                   </a:ext>
                 </a:extLst>
               </a:tr>
@@ -5846,7 +5910,7 @@
                 </a:tc>
                 <a:extLst>
                   <a:ext uri="{0D108BD9-81ED-4DB2-BD59-A6C34878D82A}">
-                    <a16:rowId xmlns:a16="http://schemas.microsoft.com/office/drawing/2014/main" xmlns="" val="2046089664"/>
+                    <a16:rowId xmlns="" xmlns:a16="http://schemas.microsoft.com/office/drawing/2014/main" val="2046089664"/>
                   </a:ext>
                 </a:extLst>
               </a:tr>
@@ -5934,7 +5998,7 @@
                 </a:tc>
                 <a:extLst>
                   <a:ext uri="{0D108BD9-81ED-4DB2-BD59-A6C34878D82A}">
-                    <a16:rowId xmlns:a16="http://schemas.microsoft.com/office/drawing/2014/main" xmlns="" val="219203116"/>
+                    <a16:rowId xmlns="" xmlns:a16="http://schemas.microsoft.com/office/drawing/2014/main" val="219203116"/>
                   </a:ext>
                 </a:extLst>
               </a:tr>
@@ -6030,7 +6094,7 @@
                 </a:tc>
                 <a:extLst>
                   <a:ext uri="{0D108BD9-81ED-4DB2-BD59-A6C34878D82A}">
-                    <a16:rowId xmlns:a16="http://schemas.microsoft.com/office/drawing/2014/main" xmlns="" val="3745567008"/>
+                    <a16:rowId xmlns="" xmlns:a16="http://schemas.microsoft.com/office/drawing/2014/main" val="3745567008"/>
                   </a:ext>
                 </a:extLst>
               </a:tr>
@@ -6569,7 +6633,7 @@
             </a:r>
             <a:r>
               <a:rPr lang="en-US" altLang="ja-JP" sz="1800" dirty="0" smtClean="0"/>
-              <a:t>&lt; 1/</a:t>
+              <a:t>&gt; </a:t>
             </a:r>
             <a:r>
               <a:rPr lang="en-US" altLang="zh-CN" sz="1800" dirty="0" smtClean="0"/>
@@ -6660,7 +6724,11 @@
             </a:pPr>
             <a:r>
               <a:rPr lang="ja-JP" altLang="en-US" sz="1800" dirty="0" smtClean="0"/>
-              <a:t>露出時間が長くなったので、画像の明るさが高くなりました</a:t>
+              <a:t>露出時間が長</a:t>
+            </a:r>
+            <a:r>
+              <a:rPr lang="ja-JP" altLang="en-US" sz="1800" dirty="0" smtClean="0"/>
+              <a:t>くなったので、画像の明るさが高くなりました</a:t>
             </a:r>
             <a:endParaRPr lang="en-US" altLang="ja-JP" sz="1800" dirty="0" smtClean="0"/>
           </a:p>
@@ -7212,7 +7280,7 @@
         </p:nvSpPr>
         <p:spPr>
           <a:xfrm>
-            <a:off x="7670698" y="3405047"/>
+            <a:off x="7735093" y="3405047"/>
             <a:ext cx="1018854" cy="514350"/>
           </a:xfrm>
           <a:prstGeom prst="parallelogram">
@@ -7250,11 +7318,7 @@
             <a:pPr algn="ctr"/>
             <a:r>
               <a:rPr kumimoji="1" lang="en-US" altLang="ja-JP" dirty="0" smtClean="0"/>
-              <a:t>Point </a:t>
-            </a:r>
-            <a:r>
-              <a:rPr kumimoji="1" lang="en-US" altLang="ja-JP" dirty="0" smtClean="0"/>
-              <a:t>cloud</a:t>
+              <a:t>Point cloud</a:t>
             </a:r>
             <a:endParaRPr kumimoji="1" lang="ja-JP" altLang="en-US" dirty="0"/>
           </a:p>
@@ -7423,7 +7487,7 @@
         </p:nvSpPr>
         <p:spPr>
           <a:xfrm>
-            <a:off x="6243055" y="3405047"/>
+            <a:off x="6307450" y="3405047"/>
             <a:ext cx="1216013" cy="514350"/>
           </a:xfrm>
           <a:prstGeom prst="rect">
@@ -7570,8 +7634,8 @@
         </p:nvSpPr>
         <p:spPr>
           <a:xfrm>
-            <a:off x="5848656" y="2878561"/>
-            <a:ext cx="347981" cy="1592161"/>
+            <a:off x="6055776" y="2878561"/>
+            <a:ext cx="205256" cy="1592161"/>
           </a:xfrm>
           <a:prstGeom prst="rightBrace">
             <a:avLst/>
@@ -7668,7 +7732,7 @@
         </p:nvCxnSpPr>
         <p:spPr>
           <a:xfrm>
-            <a:off x="7459068" y="3662222"/>
+            <a:off x="7523463" y="3662222"/>
             <a:ext cx="275924" cy="0"/>
           </a:xfrm>
           <a:prstGeom prst="straightConnector1">
@@ -7705,7 +7769,7 @@
         <p:spPr>
           <a:xfrm>
             <a:off x="4382608" y="2873313"/>
-            <a:ext cx="1261193" cy="514350"/>
+            <a:ext cx="1672468" cy="514350"/>
           </a:xfrm>
           <a:prstGeom prst="parallelogram">
             <a:avLst/>
@@ -7748,9 +7812,18 @@
               <a:t> </a:t>
             </a:r>
             <a:r>
-              <a:rPr lang="en-US" altLang="ja-JP" dirty="0"/>
+              <a:rPr lang="en-US" altLang="ja-JP" dirty="0" smtClean="0"/>
               <a:t>Points</a:t>
             </a:r>
+            <a:r>
+              <a:rPr lang="zh-CN" altLang="en-US" dirty="0"/>
+              <a:t> </a:t>
+            </a:r>
+            <a:r>
+              <a:rPr lang="en-US" altLang="zh-CN" dirty="0" smtClean="0"/>
+              <a:t>pairs</a:t>
+            </a:r>
+            <a:endParaRPr lang="en-US" altLang="ja-JP" dirty="0"/>
           </a:p>
         </p:txBody>
       </p:sp>
@@ -8568,6 +8641,22 @@
             <a:r>
               <a:rPr lang="ja-JP" altLang="en-US" dirty="0" smtClean="0"/>
               <a:t>果</a:t>
+            </a:r>
+            <a:r>
+              <a:rPr lang="zh-CN" altLang="en-US" dirty="0" smtClean="0"/>
+              <a:t>（</a:t>
+            </a:r>
+            <a:r>
+              <a:rPr lang="en-US" altLang="zh-CN" dirty="0" err="1"/>
+              <a:t>V</a:t>
+            </a:r>
+            <a:r>
+              <a:rPr lang="en-US" altLang="zh-CN" dirty="0" err="1" smtClean="0"/>
+              <a:t>isualSFM</a:t>
+            </a:r>
+            <a:r>
+              <a:rPr lang="zh-CN" altLang="en-US" dirty="0" smtClean="0"/>
+              <a:t>）</a:t>
             </a:r>
             <a:endParaRPr lang="en-US" altLang="ja-JP" dirty="0" smtClean="0"/>
           </a:p>

--- a/report/report 李淳雨20170220.pptx
+++ b/report/report 李淳雨20170220.pptx
@@ -226,7 +226,7 @@
           <a:p>
             <a:fld id="{A7047017-3F4D-4800-9B33-5B2A9DB7873C}" type="datetimeFigureOut">
               <a:rPr kumimoji="1" lang="ja-JP" altLang="en-US" smtClean="0"/>
-              <a:t>2017/2/26</a:t>
+              <a:t>2017/2/27</a:t>
             </a:fld>
             <a:endParaRPr kumimoji="1" lang="ja-JP" altLang="en-US"/>
           </a:p>
@@ -391,7 +391,7 @@
           <a:p>
             <a:fld id="{4EE61553-47AE-49F4-A30A-FEA3F4C5BB3B}" type="datetimeFigureOut">
               <a:rPr kumimoji="1" lang="ja-JP" altLang="en-US" smtClean="0"/>
-              <a:t>2017/2/26</a:t>
+              <a:t>2017/2/27</a:t>
             </a:fld>
             <a:endParaRPr kumimoji="1" lang="ja-JP" altLang="en-US"/>
           </a:p>
@@ -910,7 +910,7 @@
           <a:p>
             <a:fld id="{A8E4C931-648D-4F19-A7E9-4215BE8EB453}" type="datetime1">
               <a:rPr kumimoji="1" lang="ja-JP" altLang="en-US" smtClean="0"/>
-              <a:t>2017/2/26</a:t>
+              <a:t>2017/2/27</a:t>
             </a:fld>
             <a:endParaRPr kumimoji="1" lang="ja-JP" altLang="en-US"/>
           </a:p>
@@ -1112,7 +1112,7 @@
           <a:p>
             <a:fld id="{66996EC0-4E43-4FF5-933C-8728087BB85F}" type="datetime1">
               <a:rPr kumimoji="1" lang="ja-JP" altLang="en-US" smtClean="0"/>
-              <a:t>2017/2/26</a:t>
+              <a:t>2017/2/27</a:t>
             </a:fld>
             <a:endParaRPr kumimoji="1" lang="ja-JP" altLang="en-US"/>
           </a:p>
@@ -1324,7 +1324,7 @@
           <a:p>
             <a:fld id="{C2F28B55-76C5-4689-9D3B-072D0666FEF8}" type="datetime1">
               <a:rPr kumimoji="1" lang="ja-JP" altLang="en-US" smtClean="0"/>
-              <a:t>2017/2/26</a:t>
+              <a:t>2017/2/27</a:t>
             </a:fld>
             <a:endParaRPr kumimoji="1" lang="ja-JP" altLang="en-US"/>
           </a:p>
@@ -1526,7 +1526,7 @@
           <a:p>
             <a:fld id="{590AF857-1170-4F41-B12E-ABF113777648}" type="datetime1">
               <a:rPr kumimoji="1" lang="ja-JP" altLang="en-US" smtClean="0"/>
-              <a:t>2017/2/26</a:t>
+              <a:t>2017/2/27</a:t>
             </a:fld>
             <a:endParaRPr kumimoji="1" lang="ja-JP" altLang="en-US"/>
           </a:p>
@@ -1770,7 +1770,7 @@
           <a:p>
             <a:fld id="{00B44318-77C3-4220-BCFC-4622BF0AADB9}" type="datetime1">
               <a:rPr kumimoji="1" lang="ja-JP" altLang="en-US" smtClean="0"/>
-              <a:t>2017/2/26</a:t>
+              <a:t>2017/2/27</a:t>
             </a:fld>
             <a:endParaRPr kumimoji="1" lang="ja-JP" altLang="en-US"/>
           </a:p>
@@ -2066,7 +2066,7 @@
           <a:p>
             <a:fld id="{6E811334-7932-403E-9818-0031037B27BC}" type="datetime1">
               <a:rPr kumimoji="1" lang="ja-JP" altLang="en-US" smtClean="0"/>
-              <a:t>2017/2/26</a:t>
+              <a:t>2017/2/27</a:t>
             </a:fld>
             <a:endParaRPr kumimoji="1" lang="ja-JP" altLang="en-US"/>
           </a:p>
@@ -2497,7 +2497,7 @@
           <a:p>
             <a:fld id="{8F846AA7-D6AC-483B-B59F-B92B33580718}" type="datetime1">
               <a:rPr kumimoji="1" lang="ja-JP" altLang="en-US" smtClean="0"/>
-              <a:t>2017/2/26</a:t>
+              <a:t>2017/2/27</a:t>
             </a:fld>
             <a:endParaRPr kumimoji="1" lang="ja-JP" altLang="en-US"/>
           </a:p>
@@ -2615,7 +2615,7 @@
           <a:p>
             <a:fld id="{4C92AB63-8332-4105-A8E8-92D9FFE45080}" type="datetime1">
               <a:rPr kumimoji="1" lang="ja-JP" altLang="en-US" smtClean="0"/>
-              <a:t>2017/2/26</a:t>
+              <a:t>2017/2/27</a:t>
             </a:fld>
             <a:endParaRPr kumimoji="1" lang="ja-JP" altLang="en-US"/>
           </a:p>
@@ -2710,7 +2710,7 @@
           <a:p>
             <a:fld id="{C497F610-1513-4196-8905-051CB72780E2}" type="datetime1">
               <a:rPr kumimoji="1" lang="ja-JP" altLang="en-US" smtClean="0"/>
-              <a:t>2017/2/26</a:t>
+              <a:t>2017/2/27</a:t>
             </a:fld>
             <a:endParaRPr kumimoji="1" lang="ja-JP" altLang="en-US"/>
           </a:p>
@@ -3019,7 +3019,7 @@
           <a:p>
             <a:fld id="{784F99A3-628B-475C-AC88-0DCEBFCBE43E}" type="datetime1">
               <a:rPr kumimoji="1" lang="ja-JP" altLang="en-US" smtClean="0"/>
-              <a:t>2017/2/26</a:t>
+              <a:t>2017/2/27</a:t>
             </a:fld>
             <a:endParaRPr kumimoji="1" lang="ja-JP" altLang="en-US"/>
           </a:p>
@@ -3276,7 +3276,7 @@
           <a:p>
             <a:fld id="{993E26B5-C4B8-4F0A-BA8D-9718B829FC64}" type="datetime1">
               <a:rPr kumimoji="1" lang="ja-JP" altLang="en-US" smtClean="0"/>
-              <a:t>2017/2/26</a:t>
+              <a:t>2017/2/27</a:t>
             </a:fld>
             <a:endParaRPr kumimoji="1" lang="ja-JP" altLang="en-US"/>
           </a:p>
@@ -3521,7 +3521,7 @@
           <a:p>
             <a:fld id="{3AC474DA-14F1-4050-95A4-F0689030D4A9}" type="datetime1">
               <a:rPr kumimoji="1" lang="ja-JP" altLang="en-US" smtClean="0"/>
-              <a:t>2017/2/26</a:t>
+              <a:t>2017/2/27</a:t>
             </a:fld>
             <a:endParaRPr kumimoji="1" lang="ja-JP" altLang="en-US"/>
           </a:p>
@@ -4125,7 +4125,15 @@
           <a:p>
             <a:r>
               <a:rPr lang="ja-JP" altLang="en-US" dirty="0"/>
-              <a:t>デコードの特徴点で</a:t>
+              <a:t>デコード</a:t>
+            </a:r>
+            <a:r>
+              <a:rPr lang="ja-JP" altLang="en-US" dirty="0" smtClean="0"/>
+              <a:t>の対応点</a:t>
+            </a:r>
+            <a:r>
+              <a:rPr lang="ja-JP" altLang="en-US" dirty="0"/>
+              <a:t>で</a:t>
             </a:r>
             <a:r>
               <a:rPr lang="en-US" altLang="ja-JP" dirty="0"/>
@@ -5367,11 +5375,7 @@
           <a:p>
             <a:r>
               <a:rPr kumimoji="1" lang="ja-JP" altLang="en-US" dirty="0" smtClean="0"/>
-              <a:t>結</a:t>
-            </a:r>
-            <a:r>
-              <a:rPr kumimoji="1" lang="ja-JP" altLang="en-US" dirty="0" smtClean="0"/>
-              <a:t>果</a:t>
+              <a:t>結果</a:t>
             </a:r>
             <a:r>
               <a:rPr kumimoji="1" lang="zh-CN" altLang="en-US" dirty="0" smtClean="0"/>
@@ -5444,42 +5448,42 @@
                 <a:gridCol w="702261">
                   <a:extLst>
                     <a:ext uri="{9D8B030D-6E8A-4147-A177-3AD203B41FA5}">
-                      <a16:colId xmlns="" xmlns:a16="http://schemas.microsoft.com/office/drawing/2014/main" val="110332252"/>
+                      <a16:colId xmlns:a16="http://schemas.microsoft.com/office/drawing/2014/main" val="110332252"/>
                     </a:ext>
                   </a:extLst>
                 </a:gridCol>
                 <a:gridCol w="1623973">
                   <a:extLst>
                     <a:ext uri="{9D8B030D-6E8A-4147-A177-3AD203B41FA5}">
-                      <a16:colId xmlns="" xmlns:a16="http://schemas.microsoft.com/office/drawing/2014/main" val="1476679492"/>
+                      <a16:colId xmlns:a16="http://schemas.microsoft.com/office/drawing/2014/main" val="1476679492"/>
                     </a:ext>
                   </a:extLst>
                 </a:gridCol>
                 <a:gridCol w="1408147">
                   <a:extLst>
                     <a:ext uri="{9D8B030D-6E8A-4147-A177-3AD203B41FA5}">
-                      <a16:colId xmlns="" xmlns:a16="http://schemas.microsoft.com/office/drawing/2014/main" val="636332937"/>
+                      <a16:colId xmlns:a16="http://schemas.microsoft.com/office/drawing/2014/main" val="636332937"/>
                     </a:ext>
                   </a:extLst>
                 </a:gridCol>
                 <a:gridCol w="1513984">
                   <a:extLst>
                     <a:ext uri="{9D8B030D-6E8A-4147-A177-3AD203B41FA5}">
-                      <a16:colId xmlns="" xmlns:a16="http://schemas.microsoft.com/office/drawing/2014/main" val="2242567350"/>
+                      <a16:colId xmlns:a16="http://schemas.microsoft.com/office/drawing/2014/main" val="2242567350"/>
                     </a:ext>
                   </a:extLst>
                 </a:gridCol>
                 <a:gridCol w="1119256">
                   <a:extLst>
                     <a:ext uri="{9D8B030D-6E8A-4147-A177-3AD203B41FA5}">
-                      <a16:colId xmlns="" xmlns:a16="http://schemas.microsoft.com/office/drawing/2014/main" val="417842951"/>
+                      <a16:colId xmlns:a16="http://schemas.microsoft.com/office/drawing/2014/main" val="417842951"/>
                     </a:ext>
                   </a:extLst>
                 </a:gridCol>
                 <a:gridCol w="1119256">
                   <a:extLst>
                     <a:ext uri="{9D8B030D-6E8A-4147-A177-3AD203B41FA5}">
-                      <a16:colId xmlns="" xmlns:a16="http://schemas.microsoft.com/office/drawing/2014/main" val="2570845072"/>
+                      <a16:colId xmlns:a16="http://schemas.microsoft.com/office/drawing/2014/main" val="2570845072"/>
                     </a:ext>
                   </a:extLst>
                 </a:gridCol>
@@ -5585,11 +5589,7 @@
                       </a:r>
                       <a:r>
                         <a:rPr kumimoji="1" lang="en-US" altLang="ja-JP" dirty="0" smtClean="0"/>
-                        <a:t>(N</a:t>
-                      </a:r>
-                      <a:r>
-                        <a:rPr kumimoji="1" lang="en-US" altLang="ja-JP" dirty="0" smtClean="0"/>
-                        <a:t>)</a:t>
+                        <a:t>(N)</a:t>
                       </a:r>
                       <a:endParaRPr kumimoji="1" lang="ja-JP" altLang="en-US" dirty="0"/>
                     </a:p>
@@ -5598,7 +5598,7 @@
                 </a:tc>
                 <a:extLst>
                   <a:ext uri="{0D108BD9-81ED-4DB2-BD59-A6C34878D82A}">
-                    <a16:rowId xmlns="" xmlns:a16="http://schemas.microsoft.com/office/drawing/2014/main" val="100451580"/>
+                    <a16:rowId xmlns:a16="http://schemas.microsoft.com/office/drawing/2014/main" val="100451580"/>
                   </a:ext>
                 </a:extLst>
               </a:tr>
@@ -5693,7 +5693,7 @@
                 </a:tc>
                 <a:extLst>
                   <a:ext uri="{0D108BD9-81ED-4DB2-BD59-A6C34878D82A}">
-                    <a16:rowId xmlns="" xmlns:a16="http://schemas.microsoft.com/office/drawing/2014/main" val="2807080070"/>
+                    <a16:rowId xmlns:a16="http://schemas.microsoft.com/office/drawing/2014/main" val="2807080070"/>
                   </a:ext>
                 </a:extLst>
               </a:tr>
@@ -5781,7 +5781,7 @@
                 </a:tc>
                 <a:extLst>
                   <a:ext uri="{0D108BD9-81ED-4DB2-BD59-A6C34878D82A}">
-                    <a16:rowId xmlns="" xmlns:a16="http://schemas.microsoft.com/office/drawing/2014/main" val="746087664"/>
+                    <a16:rowId xmlns:a16="http://schemas.microsoft.com/office/drawing/2014/main" val="746087664"/>
                   </a:ext>
                 </a:extLst>
               </a:tr>
@@ -5910,7 +5910,7 @@
                 </a:tc>
                 <a:extLst>
                   <a:ext uri="{0D108BD9-81ED-4DB2-BD59-A6C34878D82A}">
-                    <a16:rowId xmlns="" xmlns:a16="http://schemas.microsoft.com/office/drawing/2014/main" val="2046089664"/>
+                    <a16:rowId xmlns:a16="http://schemas.microsoft.com/office/drawing/2014/main" val="2046089664"/>
                   </a:ext>
                 </a:extLst>
               </a:tr>
@@ -5998,7 +5998,7 @@
                 </a:tc>
                 <a:extLst>
                   <a:ext uri="{0D108BD9-81ED-4DB2-BD59-A6C34878D82A}">
-                    <a16:rowId xmlns="" xmlns:a16="http://schemas.microsoft.com/office/drawing/2014/main" val="219203116"/>
+                    <a16:rowId xmlns:a16="http://schemas.microsoft.com/office/drawing/2014/main" val="219203116"/>
                   </a:ext>
                 </a:extLst>
               </a:tr>
@@ -6094,7 +6094,7 @@
                 </a:tc>
                 <a:extLst>
                   <a:ext uri="{0D108BD9-81ED-4DB2-BD59-A6C34878D82A}">
-                    <a16:rowId xmlns="" xmlns:a16="http://schemas.microsoft.com/office/drawing/2014/main" val="3745567008"/>
+                    <a16:rowId xmlns:a16="http://schemas.microsoft.com/office/drawing/2014/main" val="3745567008"/>
                   </a:ext>
                 </a:extLst>
               </a:tr>
@@ -6724,11 +6724,7 @@
             </a:pPr>
             <a:r>
               <a:rPr lang="ja-JP" altLang="en-US" sz="1800" dirty="0" smtClean="0"/>
-              <a:t>露出時間が長</a:t>
-            </a:r>
-            <a:r>
-              <a:rPr lang="ja-JP" altLang="en-US" sz="1800" dirty="0" smtClean="0"/>
-              <a:t>くなったので、画像の明るさが高くなりました</a:t>
+              <a:t>露出時間が長くなったので、画像の明るさが高くなりました</a:t>
             </a:r>
             <a:endParaRPr lang="en-US" altLang="ja-JP" sz="1800" dirty="0" smtClean="0"/>
           </a:p>
@@ -6993,7 +6989,19 @@
             </a:r>
             <a:r>
               <a:rPr lang="ja-JP" altLang="en-US" dirty="0" smtClean="0"/>
-              <a:t>ドの特徴点で</a:t>
+              <a:t>ド</a:t>
+            </a:r>
+            <a:r>
+              <a:rPr lang="ja-JP" altLang="en-US" dirty="0" smtClean="0"/>
+              <a:t>の</a:t>
+            </a:r>
+            <a:r>
+              <a:rPr lang="ja-JP" altLang="en-US" dirty="0" smtClean="0"/>
+              <a:t>対応点</a:t>
+            </a:r>
+            <a:r>
+              <a:rPr lang="ja-JP" altLang="en-US" dirty="0" smtClean="0"/>
+              <a:t>で</a:t>
             </a:r>
             <a:r>
               <a:rPr lang="en-US" altLang="ja-JP" dirty="0" smtClean="0"/>
@@ -7034,7 +7042,7 @@
         </p:nvSpPr>
         <p:spPr>
           <a:xfrm>
-            <a:off x="486711" y="2046830"/>
+            <a:off x="486711" y="2617414"/>
             <a:ext cx="1188720" cy="514350"/>
           </a:xfrm>
           <a:prstGeom prst="rect">
@@ -7093,7 +7101,7 @@
         </p:nvSpPr>
         <p:spPr>
           <a:xfrm>
-            <a:off x="450039" y="3421499"/>
+            <a:off x="450039" y="3992083"/>
             <a:ext cx="1262065" cy="514350"/>
           </a:xfrm>
           <a:prstGeom prst="rect">
@@ -7148,7 +7156,7 @@
         </p:nvCxnSpPr>
         <p:spPr>
           <a:xfrm>
-            <a:off x="1081071" y="2561180"/>
+            <a:off x="1081071" y="3131764"/>
             <a:ext cx="1" cy="860319"/>
           </a:xfrm>
           <a:prstGeom prst="straightConnector1">
@@ -7184,7 +7192,7 @@
         </p:nvCxnSpPr>
         <p:spPr>
           <a:xfrm>
-            <a:off x="2699367" y="2852715"/>
+            <a:off x="2699367" y="3423299"/>
             <a:ext cx="504613" cy="315652"/>
           </a:xfrm>
           <a:prstGeom prst="bentConnector3">
@@ -7222,7 +7230,7 @@
         </p:nvSpPr>
         <p:spPr>
           <a:xfrm>
-            <a:off x="277921" y="2980501"/>
+            <a:off x="277921" y="3551085"/>
             <a:ext cx="768559" cy="261610"/>
           </a:xfrm>
           <a:prstGeom prst="rect">
@@ -7251,7 +7259,7 @@
         </p:nvSpPr>
         <p:spPr>
           <a:xfrm>
-            <a:off x="1985952" y="4540622"/>
+            <a:off x="1985952" y="5111206"/>
             <a:ext cx="756113" cy="430887"/>
           </a:xfrm>
           <a:prstGeom prst="rect">
@@ -7280,7 +7288,7 @@
         </p:nvSpPr>
         <p:spPr>
           <a:xfrm>
-            <a:off x="7735093" y="3405047"/>
+            <a:off x="7735093" y="3975631"/>
             <a:ext cx="1018854" cy="514350"/>
           </a:xfrm>
           <a:prstGeom prst="parallelogram">
@@ -7347,7 +7355,7 @@
         </p:blipFill>
         <p:spPr bwMode="auto">
           <a:xfrm>
-            <a:off x="1137793" y="2864776"/>
+            <a:off x="1137793" y="3435360"/>
             <a:ext cx="704586" cy="508311"/>
           </a:xfrm>
           <a:prstGeom prst="rect">
@@ -7381,7 +7389,7 @@
         </p:nvSpPr>
         <p:spPr>
           <a:xfrm>
-            <a:off x="1748310" y="2604590"/>
+            <a:off x="1748310" y="3175174"/>
             <a:ext cx="303755" cy="1858984"/>
           </a:xfrm>
           <a:prstGeom prst="leftBrace">
@@ -7441,7 +7449,7 @@
         </p:blipFill>
         <p:spPr>
           <a:xfrm>
-            <a:off x="2037700" y="2604590"/>
+            <a:off x="2037700" y="3175174"/>
             <a:ext cx="661667" cy="496250"/>
           </a:xfrm>
           <a:prstGeom prst="rect">
@@ -7471,7 +7479,7 @@
         </p:blipFill>
         <p:spPr>
           <a:xfrm>
-            <a:off x="2038286" y="3215055"/>
+            <a:off x="2038286" y="3785639"/>
             <a:ext cx="661082" cy="495812"/>
           </a:xfrm>
           <a:prstGeom prst="rect">
@@ -7487,7 +7495,7 @@
         </p:nvSpPr>
         <p:spPr>
           <a:xfrm>
-            <a:off x="6307450" y="3405047"/>
+            <a:off x="6307450" y="3975631"/>
             <a:ext cx="1216013" cy="514350"/>
           </a:xfrm>
           <a:prstGeom prst="rect">
@@ -7539,7 +7547,7 @@
         </p:nvSpPr>
         <p:spPr>
           <a:xfrm>
-            <a:off x="2235072" y="3710867"/>
+            <a:off x="2235072" y="4281451"/>
             <a:ext cx="257875" cy="923330"/>
           </a:xfrm>
           <a:prstGeom prst="rect">
@@ -7569,7 +7577,7 @@
         </p:nvCxnSpPr>
         <p:spPr>
           <a:xfrm flipV="1">
-            <a:off x="2686489" y="3175538"/>
+            <a:off x="2686489" y="3746122"/>
             <a:ext cx="264552" cy="274544"/>
           </a:xfrm>
           <a:prstGeom prst="bentConnector2">
@@ -7604,7 +7612,7 @@
         </p:nvSpPr>
         <p:spPr>
           <a:xfrm>
-            <a:off x="4792111" y="3461963"/>
+            <a:off x="4792111" y="4032547"/>
             <a:ext cx="266922" cy="923330"/>
           </a:xfrm>
           <a:prstGeom prst="rect">
@@ -7634,7 +7642,7 @@
         </p:nvSpPr>
         <p:spPr>
           <a:xfrm>
-            <a:off x="6055776" y="2878561"/>
+            <a:off x="6055776" y="3449145"/>
             <a:ext cx="205256" cy="1592161"/>
           </a:xfrm>
           <a:prstGeom prst="rightBrace">
@@ -7677,7 +7685,7 @@
         </p:nvSpPr>
         <p:spPr>
           <a:xfrm>
-            <a:off x="3214459" y="2873528"/>
+            <a:off x="3214459" y="3444112"/>
             <a:ext cx="899385" cy="514350"/>
           </a:xfrm>
           <a:prstGeom prst="rect">
@@ -7732,7 +7740,7 @@
         </p:nvCxnSpPr>
         <p:spPr>
           <a:xfrm>
-            <a:off x="7523463" y="3662222"/>
+            <a:off x="7523463" y="4232806"/>
             <a:ext cx="275924" cy="0"/>
           </a:xfrm>
           <a:prstGeom prst="straightConnector1">
@@ -7768,7 +7776,7 @@
         </p:nvSpPr>
         <p:spPr>
           <a:xfrm>
-            <a:off x="4382608" y="2873313"/>
+            <a:off x="4382608" y="3443897"/>
             <a:ext cx="1672468" cy="514350"/>
           </a:xfrm>
           <a:prstGeom prst="parallelogram">
@@ -7838,7 +7846,7 @@
         </p:nvCxnSpPr>
         <p:spPr>
           <a:xfrm flipV="1">
-            <a:off x="4113844" y="3130488"/>
+            <a:off x="4113844" y="3701072"/>
             <a:ext cx="333058" cy="215"/>
           </a:xfrm>
           <a:prstGeom prst="straightConnector1">
@@ -7866,6 +7874,36 @@
           </a:fontRef>
         </p:style>
       </p:cxnSp>
+      <p:sp>
+        <p:nvSpPr>
+          <p:cNvPr id="24" name="内容占位符 2"/>
+          <p:cNvSpPr>
+            <a:spLocks noGrp="1"/>
+          </p:cNvSpPr>
+          <p:nvPr>
+            <p:ph idx="1"/>
+          </p:nvPr>
+        </p:nvSpPr>
+        <p:spPr>
+          <a:xfrm>
+            <a:off x="628650" y="1825624"/>
+            <a:ext cx="7886700" cy="4895851"/>
+          </a:xfrm>
+        </p:spPr>
+        <p:txBody>
+          <a:bodyPr>
+            <a:normAutofit/>
+          </a:bodyPr>
+          <a:lstStyle/>
+          <a:p>
+            <a:r>
+              <a:rPr lang="ja-JP" altLang="en-US" dirty="0" smtClean="0"/>
+              <a:t>概要</a:t>
+            </a:r>
+            <a:endParaRPr lang="en-US" altLang="ja-JP" dirty="0" smtClean="0"/>
+          </a:p>
+        </p:txBody>
+      </p:sp>
     </p:spTree>
     <p:extLst>
       <p:ext uri="{BB962C8B-B14F-4D97-AF65-F5344CB8AC3E}">
@@ -8031,7 +8069,11 @@
             </a:r>
             <a:r>
               <a:rPr lang="ja-JP" altLang="en-US" dirty="0"/>
-              <a:t>ードの特徴点で</a:t>
+              <a:t>ード</a:t>
+            </a:r>
+            <a:r>
+              <a:rPr lang="ja-JP" altLang="en-US" dirty="0"/>
+              <a:t>の対応点で</a:t>
             </a:r>
             <a:r>
               <a:rPr lang="en-US" altLang="ja-JP" dirty="0"/>
@@ -8602,7 +8644,11 @@
             </a:r>
             <a:r>
               <a:rPr lang="ja-JP" altLang="en-US" dirty="0" smtClean="0"/>
-              <a:t>ドの特徴点で</a:t>
+              <a:t>ド</a:t>
+            </a:r>
+            <a:r>
+              <a:rPr lang="ja-JP" altLang="en-US" dirty="0"/>
+              <a:t>の対応点で</a:t>
             </a:r>
             <a:r>
               <a:rPr lang="en-US" altLang="ja-JP" dirty="0" smtClean="0"/>
@@ -8636,11 +8682,7 @@
           <a:p>
             <a:r>
               <a:rPr lang="ja-JP" altLang="en-US" dirty="0" smtClean="0"/>
-              <a:t>結</a:t>
-            </a:r>
-            <a:r>
-              <a:rPr lang="ja-JP" altLang="en-US" dirty="0" smtClean="0"/>
-              <a:t>果</a:t>
+              <a:t>結果</a:t>
             </a:r>
             <a:r>
               <a:rPr lang="zh-CN" altLang="en-US" dirty="0" smtClean="0"/>
@@ -8694,7 +8736,7 @@
           <p:nvPr/>
         </p:nvPicPr>
         <p:blipFill>
-          <a:blip r:embed="rId2">
+          <a:blip r:embed="rId2" cstate="print">
             <a:extLst>
               <a:ext uri="{28A0092B-C50C-407E-A947-70E740481C1C}">
                 <a14:useLocalDpi xmlns:a14="http://schemas.microsoft.com/office/drawing/2010/main" val="0"/>
@@ -8707,8 +8749,8 @@
         </p:blipFill>
         <p:spPr>
           <a:xfrm>
-            <a:off x="628650" y="2655823"/>
-            <a:ext cx="3891835" cy="3235451"/>
+            <a:off x="4753801" y="1825623"/>
+            <a:ext cx="2619676" cy="2177850"/>
           </a:xfrm>
           <a:prstGeom prst="rect">
             <a:avLst/>
@@ -8724,7 +8766,7 @@
           <p:nvPr/>
         </p:nvPicPr>
         <p:blipFill>
-          <a:blip r:embed="rId3">
+          <a:blip r:embed="rId3" cstate="print">
             <a:extLst>
               <a:ext uri="{28A0092B-C50C-407E-A947-70E740481C1C}">
                 <a14:useLocalDpi xmlns:a14="http://schemas.microsoft.com/office/drawing/2010/main" val="0"/>
@@ -8737,14 +8779,537 @@
         </p:blipFill>
         <p:spPr>
           <a:xfrm>
-            <a:off x="4520485" y="2655822"/>
-            <a:ext cx="4090348" cy="3235452"/>
+            <a:off x="4753801" y="4003473"/>
+            <a:ext cx="2619676" cy="2072155"/>
           </a:xfrm>
           <a:prstGeom prst="rect">
             <a:avLst/>
           </a:prstGeom>
         </p:spPr>
       </p:pic>
+      <p:graphicFrame>
+        <p:nvGraphicFramePr>
+          <p:cNvPr id="8" name="表 7"/>
+          <p:cNvGraphicFramePr>
+            <a:graphicFrameLocks noGrp="1"/>
+          </p:cNvGraphicFramePr>
+          <p:nvPr>
+            <p:extLst>
+              <p:ext uri="{D42A27DB-BD31-4B8C-83A1-F6EECF244321}">
+                <p14:modId xmlns:p14="http://schemas.microsoft.com/office/powerpoint/2010/main" val="4061313972"/>
+              </p:ext>
+            </p:extLst>
+          </p:nvPr>
+        </p:nvGraphicFramePr>
+        <p:xfrm>
+          <a:off x="628378" y="2346504"/>
+          <a:ext cx="3676733" cy="2595880"/>
+        </p:xfrm>
+        <a:graphic>
+          <a:graphicData uri="http://schemas.openxmlformats.org/drawingml/2006/table">
+            <a:tbl>
+              <a:tblPr firstRow="1" bandRow="1">
+                <a:tableStyleId>{5940675A-B579-460E-94D1-54222C63F5DA}</a:tableStyleId>
+              </a:tblPr>
+              <a:tblGrid>
+                <a:gridCol w="904273">
+                  <a:extLst>
+                    <a:ext uri="{9D8B030D-6E8A-4147-A177-3AD203B41FA5}">
+                      <a16:colId xmlns:a16="http://schemas.microsoft.com/office/drawing/2014/main" val="3608354301"/>
+                    </a:ext>
+                  </a:extLst>
+                </a:gridCol>
+                <a:gridCol w="1141171">
+                  <a:extLst>
+                    <a:ext uri="{9D8B030D-6E8A-4147-A177-3AD203B41FA5}">
+                      <a16:colId xmlns:a16="http://schemas.microsoft.com/office/drawing/2014/main" val="3607645355"/>
+                    </a:ext>
+                  </a:extLst>
+                </a:gridCol>
+                <a:gridCol w="1631289">
+                  <a:extLst>
+                    <a:ext uri="{9D8B030D-6E8A-4147-A177-3AD203B41FA5}">
+                      <a16:colId xmlns:a16="http://schemas.microsoft.com/office/drawing/2014/main" val="1029261397"/>
+                    </a:ext>
+                  </a:extLst>
+                </a:gridCol>
+              </a:tblGrid>
+              <a:tr h="370840">
+                <a:tc>
+                  <a:txBody>
+                    <a:bodyPr/>
+                    <a:lstStyle/>
+                    <a:p>
+                      <a:pPr algn="ctr"/>
+                      <a:r>
+                        <a:rPr kumimoji="1" lang="ja-JP" altLang="en-US" dirty="0" smtClean="0"/>
+                        <a:t>画像組</a:t>
+                      </a:r>
+                      <a:endParaRPr kumimoji="1" lang="ja-JP" altLang="en-US" dirty="0"/>
+                    </a:p>
+                  </a:txBody>
+                  <a:tcPr anchor="ctr"/>
+                </a:tc>
+                <a:tc>
+                  <a:txBody>
+                    <a:bodyPr/>
+                    <a:lstStyle/>
+                    <a:p>
+                      <a:pPr algn="ctr"/>
+                      <a:r>
+                        <a:rPr kumimoji="1" lang="ja-JP" altLang="en-US" dirty="0" smtClean="0"/>
+                        <a:t>特徴点数</a:t>
+                      </a:r>
+                      <a:endParaRPr kumimoji="1" lang="ja-JP" altLang="en-US" dirty="0"/>
+                    </a:p>
+                  </a:txBody>
+                  <a:tcPr anchor="ctr"/>
+                </a:tc>
+                <a:tc>
+                  <a:txBody>
+                    <a:bodyPr/>
+                    <a:lstStyle/>
+                    <a:p>
+                      <a:pPr marL="0" marR="0" indent="0" algn="ctr" defTabSz="914400" rtl="0" eaLnBrk="1" fontAlgn="auto" latinLnBrk="0" hangingPunct="1">
+                        <a:lnSpc>
+                          <a:spcPct val="100000"/>
+                        </a:lnSpc>
+                        <a:spcBef>
+                          <a:spcPts val="0"/>
+                        </a:spcBef>
+                        <a:spcAft>
+                          <a:spcPts val="0"/>
+                        </a:spcAft>
+                        <a:buClrTx/>
+                        <a:buSzTx/>
+                        <a:buFontTx/>
+                        <a:buNone/>
+                        <a:tabLst/>
+                        <a:defRPr/>
+                      </a:pPr>
+                      <a:r>
+                        <a:rPr kumimoji="1" lang="ja-JP" altLang="en-US" dirty="0" smtClean="0"/>
+                        <a:t>特徴点比率</a:t>
+                      </a:r>
+                      <a:r>
+                        <a:rPr kumimoji="1" lang="en-US" altLang="ja-JP" dirty="0" smtClean="0"/>
+                        <a:t>(%)</a:t>
+                      </a:r>
+                      <a:endParaRPr kumimoji="1" lang="ja-JP" altLang="en-US" dirty="0"/>
+                    </a:p>
+                  </a:txBody>
+                  <a:tcPr anchor="ctr"/>
+                </a:tc>
+                <a:extLst>
+                  <a:ext uri="{0D108BD9-81ED-4DB2-BD59-A6C34878D82A}">
+                    <a16:rowId xmlns:a16="http://schemas.microsoft.com/office/drawing/2014/main" val="2843442886"/>
+                  </a:ext>
+                </a:extLst>
+              </a:tr>
+              <a:tr h="370840">
+                <a:tc>
+                  <a:txBody>
+                    <a:bodyPr/>
+                    <a:lstStyle/>
+                    <a:p>
+                      <a:pPr algn="ctr"/>
+                      <a:r>
+                        <a:rPr kumimoji="1" lang="en-US" altLang="ja-JP" dirty="0" smtClean="0"/>
+                        <a:t>1</a:t>
+                      </a:r>
+                      <a:endParaRPr kumimoji="1" lang="ja-JP" altLang="en-US" dirty="0"/>
+                    </a:p>
+                  </a:txBody>
+                  <a:tcPr anchor="ctr"/>
+                </a:tc>
+                <a:tc>
+                  <a:txBody>
+                    <a:bodyPr/>
+                    <a:lstStyle/>
+                    <a:p>
+                      <a:pPr algn="ctr"/>
+                      <a:r>
+                        <a:rPr kumimoji="1" lang="en-US" altLang="ja-JP" dirty="0" smtClean="0"/>
+                        <a:t>278321</a:t>
+                      </a:r>
+                    </a:p>
+                  </a:txBody>
+                  <a:tcPr anchor="ctr"/>
+                </a:tc>
+                <a:tc>
+                  <a:txBody>
+                    <a:bodyPr/>
+                    <a:lstStyle/>
+                    <a:p>
+                      <a:pPr algn="ctr"/>
+                      <a:r>
+                        <a:rPr kumimoji="1" lang="en-US" altLang="ja-JP" dirty="0" smtClean="0"/>
+                        <a:t>35.3</a:t>
+                      </a:r>
+                      <a:endParaRPr kumimoji="1" lang="ja-JP" altLang="en-US" dirty="0"/>
+                    </a:p>
+                  </a:txBody>
+                  <a:tcPr anchor="ctr"/>
+                </a:tc>
+                <a:extLst>
+                  <a:ext uri="{0D108BD9-81ED-4DB2-BD59-A6C34878D82A}">
+                    <a16:rowId xmlns:a16="http://schemas.microsoft.com/office/drawing/2014/main" val="2172532181"/>
+                  </a:ext>
+                </a:extLst>
+              </a:tr>
+              <a:tr h="370840">
+                <a:tc>
+                  <a:txBody>
+                    <a:bodyPr/>
+                    <a:lstStyle/>
+                    <a:p>
+                      <a:pPr algn="ctr"/>
+                      <a:r>
+                        <a:rPr kumimoji="1" lang="en-US" altLang="ja-JP" dirty="0" smtClean="0"/>
+                        <a:t>2</a:t>
+                      </a:r>
+                      <a:endParaRPr kumimoji="1" lang="ja-JP" altLang="en-US" dirty="0"/>
+                    </a:p>
+                  </a:txBody>
+                  <a:tcPr anchor="ctr"/>
+                </a:tc>
+                <a:tc>
+                  <a:txBody>
+                    <a:bodyPr/>
+                    <a:lstStyle/>
+                    <a:p>
+                      <a:pPr algn="ctr"/>
+                      <a:r>
+                        <a:rPr kumimoji="1" lang="en-US" altLang="ja-JP" dirty="0" smtClean="0"/>
+                        <a:t>342493</a:t>
+                      </a:r>
+                      <a:endParaRPr kumimoji="1" lang="ja-JP" altLang="en-US" dirty="0"/>
+                    </a:p>
+                  </a:txBody>
+                  <a:tcPr anchor="ctr"/>
+                </a:tc>
+                <a:tc>
+                  <a:txBody>
+                    <a:bodyPr/>
+                    <a:lstStyle/>
+                    <a:p>
+                      <a:pPr algn="ctr"/>
+                      <a:r>
+                        <a:rPr kumimoji="1" lang="en-US" altLang="ja-JP" dirty="0" smtClean="0"/>
+                        <a:t>43.6</a:t>
+                      </a:r>
+                      <a:endParaRPr kumimoji="1" lang="ja-JP" altLang="en-US" dirty="0"/>
+                    </a:p>
+                  </a:txBody>
+                  <a:tcPr anchor="ctr"/>
+                </a:tc>
+                <a:extLst>
+                  <a:ext uri="{0D108BD9-81ED-4DB2-BD59-A6C34878D82A}">
+                    <a16:rowId xmlns:a16="http://schemas.microsoft.com/office/drawing/2014/main" val="1368115397"/>
+                  </a:ext>
+                </a:extLst>
+              </a:tr>
+              <a:tr h="370840">
+                <a:tc>
+                  <a:txBody>
+                    <a:bodyPr/>
+                    <a:lstStyle/>
+                    <a:p>
+                      <a:pPr algn="ctr"/>
+                      <a:r>
+                        <a:rPr kumimoji="1" lang="en-US" altLang="ja-JP" dirty="0" smtClean="0"/>
+                        <a:t>3</a:t>
+                      </a:r>
+                      <a:endParaRPr kumimoji="1" lang="ja-JP" altLang="en-US" dirty="0"/>
+                    </a:p>
+                  </a:txBody>
+                  <a:tcPr anchor="ctr"/>
+                </a:tc>
+                <a:tc>
+                  <a:txBody>
+                    <a:bodyPr/>
+                    <a:lstStyle/>
+                    <a:p>
+                      <a:pPr algn="ctr"/>
+                      <a:r>
+                        <a:rPr kumimoji="1" lang="en-US" altLang="ja-JP" dirty="0" smtClean="0"/>
+                        <a:t>385560</a:t>
+                      </a:r>
+                      <a:endParaRPr kumimoji="1" lang="ja-JP" altLang="en-US" dirty="0"/>
+                    </a:p>
+                  </a:txBody>
+                  <a:tcPr anchor="ctr"/>
+                </a:tc>
+                <a:tc>
+                  <a:txBody>
+                    <a:bodyPr/>
+                    <a:lstStyle/>
+                    <a:p>
+                      <a:pPr algn="ctr"/>
+                      <a:r>
+                        <a:rPr kumimoji="1" lang="en-US" altLang="ja-JP" dirty="0" smtClean="0"/>
+                        <a:t>49.1</a:t>
+                      </a:r>
+                      <a:endParaRPr kumimoji="1" lang="ja-JP" altLang="en-US" dirty="0"/>
+                    </a:p>
+                  </a:txBody>
+                  <a:tcPr anchor="ctr"/>
+                </a:tc>
+                <a:extLst>
+                  <a:ext uri="{0D108BD9-81ED-4DB2-BD59-A6C34878D82A}">
+                    <a16:rowId xmlns:a16="http://schemas.microsoft.com/office/drawing/2014/main" val="462893679"/>
+                  </a:ext>
+                </a:extLst>
+              </a:tr>
+              <a:tr h="370840">
+                <a:tc>
+                  <a:txBody>
+                    <a:bodyPr/>
+                    <a:lstStyle/>
+                    <a:p>
+                      <a:pPr algn="ctr"/>
+                      <a:r>
+                        <a:rPr kumimoji="1" lang="en-US" altLang="ja-JP" dirty="0" smtClean="0"/>
+                        <a:t>4</a:t>
+                      </a:r>
+                      <a:endParaRPr kumimoji="1" lang="ja-JP" altLang="en-US" dirty="0"/>
+                    </a:p>
+                  </a:txBody>
+                  <a:tcPr anchor="ctr"/>
+                </a:tc>
+                <a:tc>
+                  <a:txBody>
+                    <a:bodyPr/>
+                    <a:lstStyle/>
+                    <a:p>
+                      <a:pPr algn="ctr"/>
+                      <a:r>
+                        <a:rPr kumimoji="1" lang="en-US" altLang="ja-JP" dirty="0" smtClean="0"/>
+                        <a:t>307828</a:t>
+                      </a:r>
+                      <a:endParaRPr kumimoji="1" lang="ja-JP" altLang="en-US" dirty="0"/>
+                    </a:p>
+                  </a:txBody>
+                  <a:tcPr anchor="ctr"/>
+                </a:tc>
+                <a:tc>
+                  <a:txBody>
+                    <a:bodyPr/>
+                    <a:lstStyle/>
+                    <a:p>
+                      <a:pPr algn="ctr"/>
+                      <a:r>
+                        <a:rPr kumimoji="1" lang="en-US" altLang="ja-JP" dirty="0" smtClean="0"/>
+                        <a:t>39.2</a:t>
+                      </a:r>
+                      <a:endParaRPr kumimoji="1" lang="ja-JP" altLang="en-US" dirty="0"/>
+                    </a:p>
+                  </a:txBody>
+                  <a:tcPr anchor="ctr"/>
+                </a:tc>
+                <a:extLst>
+                  <a:ext uri="{0D108BD9-81ED-4DB2-BD59-A6C34878D82A}">
+                    <a16:rowId xmlns:a16="http://schemas.microsoft.com/office/drawing/2014/main" val="2904506836"/>
+                  </a:ext>
+                </a:extLst>
+              </a:tr>
+              <a:tr h="370840">
+                <a:tc>
+                  <a:txBody>
+                    <a:bodyPr/>
+                    <a:lstStyle/>
+                    <a:p>
+                      <a:pPr algn="ctr"/>
+                      <a:r>
+                        <a:rPr kumimoji="1" lang="en-US" altLang="ja-JP" dirty="0" smtClean="0"/>
+                        <a:t>5</a:t>
+                      </a:r>
+                      <a:endParaRPr kumimoji="1" lang="ja-JP" altLang="en-US" dirty="0"/>
+                    </a:p>
+                  </a:txBody>
+                  <a:tcPr anchor="ctr"/>
+                </a:tc>
+                <a:tc>
+                  <a:txBody>
+                    <a:bodyPr/>
+                    <a:lstStyle/>
+                    <a:p>
+                      <a:pPr algn="ctr"/>
+                      <a:r>
+                        <a:rPr kumimoji="1" lang="en-US" altLang="ja-JP" dirty="0" smtClean="0"/>
+                        <a:t>267616</a:t>
+                      </a:r>
+                      <a:endParaRPr kumimoji="1" lang="ja-JP" altLang="en-US" dirty="0"/>
+                    </a:p>
+                  </a:txBody>
+                  <a:tcPr anchor="ctr"/>
+                </a:tc>
+                <a:tc>
+                  <a:txBody>
+                    <a:bodyPr/>
+                    <a:lstStyle/>
+                    <a:p>
+                      <a:pPr algn="ctr"/>
+                      <a:r>
+                        <a:rPr kumimoji="1" lang="en-US" altLang="ja-JP" dirty="0" smtClean="0"/>
+                        <a:t>34.1</a:t>
+                      </a:r>
+                      <a:endParaRPr kumimoji="1" lang="ja-JP" altLang="en-US" dirty="0"/>
+                    </a:p>
+                  </a:txBody>
+                  <a:tcPr anchor="ctr"/>
+                </a:tc>
+                <a:extLst>
+                  <a:ext uri="{0D108BD9-81ED-4DB2-BD59-A6C34878D82A}">
+                    <a16:rowId xmlns:a16="http://schemas.microsoft.com/office/drawing/2014/main" val="1067403597"/>
+                  </a:ext>
+                </a:extLst>
+              </a:tr>
+              <a:tr h="370840">
+                <a:tc>
+                  <a:txBody>
+                    <a:bodyPr/>
+                    <a:lstStyle/>
+                    <a:p>
+                      <a:pPr algn="ctr"/>
+                      <a:r>
+                        <a:rPr kumimoji="1" lang="ja-JP" altLang="en-US" b="0" dirty="0" smtClean="0">
+                          <a:solidFill>
+                            <a:schemeClr val="accent1">
+                              <a:lumMod val="50000"/>
+                            </a:schemeClr>
+                          </a:solidFill>
+                        </a:rPr>
+                        <a:t>平均</a:t>
+                      </a:r>
+                      <a:endParaRPr kumimoji="1" lang="ja-JP" altLang="en-US" b="0" dirty="0">
+                        <a:solidFill>
+                          <a:schemeClr val="accent1">
+                            <a:lumMod val="50000"/>
+                          </a:schemeClr>
+                        </a:solidFill>
+                      </a:endParaRPr>
+                    </a:p>
+                  </a:txBody>
+                  <a:tcPr anchor="ctr"/>
+                </a:tc>
+                <a:tc>
+                  <a:txBody>
+                    <a:bodyPr/>
+                    <a:lstStyle/>
+                    <a:p>
+                      <a:pPr algn="ctr"/>
+                      <a:r>
+                        <a:rPr kumimoji="1" lang="en-US" altLang="ja-JP" b="0" dirty="0" smtClean="0">
+                          <a:solidFill>
+                            <a:schemeClr val="accent1">
+                              <a:lumMod val="50000"/>
+                            </a:schemeClr>
+                          </a:solidFill>
+                        </a:rPr>
+                        <a:t>316364</a:t>
+                      </a:r>
+                      <a:endParaRPr kumimoji="1" lang="ja-JP" altLang="en-US" b="0" dirty="0">
+                        <a:solidFill>
+                          <a:schemeClr val="accent1">
+                            <a:lumMod val="50000"/>
+                          </a:schemeClr>
+                        </a:solidFill>
+                      </a:endParaRPr>
+                    </a:p>
+                  </a:txBody>
+                  <a:tcPr anchor="ctr"/>
+                </a:tc>
+                <a:tc>
+                  <a:txBody>
+                    <a:bodyPr/>
+                    <a:lstStyle/>
+                    <a:p>
+                      <a:pPr algn="ctr"/>
+                      <a:r>
+                        <a:rPr kumimoji="1" lang="en-US" altLang="ja-JP" dirty="0" smtClean="0">
+                          <a:solidFill>
+                            <a:schemeClr val="accent1">
+                              <a:lumMod val="50000"/>
+                            </a:schemeClr>
+                          </a:solidFill>
+                        </a:rPr>
+                        <a:t>40.2</a:t>
+                      </a:r>
+                      <a:endParaRPr kumimoji="1" lang="ja-JP" altLang="en-US" dirty="0">
+                        <a:solidFill>
+                          <a:schemeClr val="accent1">
+                            <a:lumMod val="50000"/>
+                          </a:schemeClr>
+                        </a:solidFill>
+                      </a:endParaRPr>
+                    </a:p>
+                  </a:txBody>
+                  <a:tcPr anchor="ctr"/>
+                </a:tc>
+                <a:extLst>
+                  <a:ext uri="{0D108BD9-81ED-4DB2-BD59-A6C34878D82A}">
+                    <a16:rowId xmlns:a16="http://schemas.microsoft.com/office/drawing/2014/main" val="2003799089"/>
+                  </a:ext>
+                </a:extLst>
+              </a:tr>
+            </a:tbl>
+          </a:graphicData>
+        </a:graphic>
+      </p:graphicFrame>
+      <p:sp>
+        <p:nvSpPr>
+          <p:cNvPr id="9" name="正方形/長方形 16"/>
+          <p:cNvSpPr/>
+          <p:nvPr/>
+        </p:nvSpPr>
+        <p:spPr>
+          <a:xfrm>
+            <a:off x="539100" y="4946514"/>
+            <a:ext cx="3855287" cy="261610"/>
+          </a:xfrm>
+          <a:prstGeom prst="rect">
+            <a:avLst/>
+          </a:prstGeom>
+        </p:spPr>
+        <p:txBody>
+          <a:bodyPr wrap="square">
+            <a:spAutoFit/>
+          </a:bodyPr>
+          <a:lstStyle/>
+          <a:p>
+            <a:r>
+              <a:rPr lang="ja-JP" altLang="en-US" sz="1100" dirty="0"/>
+              <a:t>特徴点</a:t>
+            </a:r>
+            <a:r>
+              <a:rPr lang="ja-JP" altLang="en-US" sz="1100" dirty="0" smtClean="0"/>
+              <a:t>比率 </a:t>
+            </a:r>
+            <a:r>
+              <a:rPr lang="en-US" altLang="ja-JP" sz="1100" dirty="0" smtClean="0"/>
+              <a:t>= </a:t>
+            </a:r>
+            <a:r>
+              <a:rPr lang="ja-JP" altLang="en-US" sz="1100" dirty="0" smtClean="0"/>
+              <a:t>特徴点数 </a:t>
+            </a:r>
+            <a:r>
+              <a:rPr lang="en-US" altLang="zh-CN" sz="1100" dirty="0" smtClean="0"/>
+              <a:t>/ </a:t>
+            </a:r>
+            <a:r>
+              <a:rPr lang="ja-JP" altLang="en-US" sz="1100" dirty="0" smtClean="0"/>
+              <a:t>プロジェクター解像度</a:t>
+            </a:r>
+            <a:r>
+              <a:rPr lang="en-US" altLang="ja-JP" sz="1100" dirty="0" smtClean="0"/>
+              <a:t>(1024*768)</a:t>
+            </a:r>
+            <a:endParaRPr lang="ja-JP" altLang="en-US" sz="1100" dirty="0"/>
+          </a:p>
+        </p:txBody>
+      </p:sp>
     </p:spTree>
     <p:extLst>
       <p:ext uri="{BB962C8B-B14F-4D97-AF65-F5344CB8AC3E}">
